--- a/Final_Project/陈明亮+16340023/陈明亮+16340023+ppt.pptx
+++ b/Final_Project/陈明亮+16340023/陈明亮+16340023+ppt.pptx
@@ -17,8 +17,9 @@
     <p:sldId id="270" r:id="rId12"/>
     <p:sldId id="275" r:id="rId13"/>
     <p:sldId id="260" r:id="rId14"/>
-    <p:sldId id="261" r:id="rId15"/>
-    <p:sldId id="271" r:id="rId16"/>
+    <p:sldId id="283" r:id="rId15"/>
+    <p:sldId id="261" r:id="rId16"/>
+    <p:sldId id="271" r:id="rId17"/>
   </p:sldIdLst>
   <p:sldSz cx="12192000" cy="6858000"/>
   <p:notesSz cx="6858000" cy="9144000"/>
@@ -9219,11 +9220,19 @@
             </a:r>
             <a:r>
               <a:rPr lang="en-US" altLang="zh-CN"/>
-              <a:t>+Tfidf</a:t>
+              <a:t>+</a:t>
+            </a:r>
+            <a:r>
+              <a:rPr lang="en-US"/>
+              <a:t>Stacking</a:t>
             </a:r>
             <a:r>
               <a:rPr lang="zh-CN" altLang="en-US"/>
-              <a:t>稀疏矩阵特征</a:t>
+              <a:t>分类</a:t>
+            </a:r>
+            <a:r>
+              <a:rPr lang="zh-CN" altLang="en-US"/>
+              <a:t>特征</a:t>
             </a:r>
             <a:endParaRPr lang="zh-CN" altLang="en-US"/>
           </a:p>
@@ -9493,7 +9502,7 @@
             </a:pPr>
             <a:r>
               <a:rPr lang="en-US" altLang="zh-CN" sz="1800"/>
-              <a:t>0.59+</a:t>
+              <a:t>0.52+</a:t>
             </a:r>
             <a:endParaRPr lang="en-US" altLang="zh-CN" sz="1800"/>
           </a:p>
@@ -10188,866 +10197,18 @@
           </a:fontRef>
         </p:style>
       </p:cxnSp>
-    </p:spTree>
-    <p:custDataLst>
-      <p:tags r:id="rId1"/>
-    </p:custDataLst>
-  </p:cSld>
-  <p:clrMapOvr>
-    <a:masterClrMapping/>
-  </p:clrMapOvr>
-</p:sld>
-</file>
-
-<file path=ppt/slides/slide13.xml><?xml version="1.0" encoding="utf-8"?>
-<p:sld xmlns:a="http://schemas.openxmlformats.org/drawingml/2006/main" xmlns:r="http://schemas.openxmlformats.org/officeDocument/2006/relationships" xmlns:p="http://schemas.openxmlformats.org/presentationml/2006/main">
-  <p:cSld>
-    <p:spTree>
-      <p:nvGrpSpPr>
-        <p:cNvPr id="1" name=""/>
-        <p:cNvGrpSpPr/>
-        <p:nvPr/>
-      </p:nvGrpSpPr>
-      <p:grpSpPr/>
-      <p:sp>
-        <p:nvSpPr>
-          <p:cNvPr id="2" name="标题 1"/>
-          <p:cNvSpPr>
-            <a:spLocks noGrp="1"/>
-          </p:cNvSpPr>
-          <p:nvPr>
-            <p:ph type="title"/>
-          </p:nvPr>
-        </p:nvSpPr>
-        <p:spPr/>
-        <p:txBody>
-          <a:bodyPr>
-            <a:normAutofit fontScale="90000"/>
-          </a:bodyPr>
-          <a:p>
-            <a:r>
-              <a:rPr lang="en-US" altLang="zh-CN"/>
-              <a:t>5. </a:t>
-            </a:r>
-            <a:r>
-              <a:t>总结</a:t>
-            </a:r>
-          </a:p>
-        </p:txBody>
-      </p:sp>
-      <p:sp>
-        <p:nvSpPr>
-          <p:cNvPr id="3" name="内容占位符 2"/>
-          <p:cNvSpPr>
-            <a:spLocks noGrp="1"/>
-          </p:cNvSpPr>
-          <p:nvPr>
-            <p:ph idx="1"/>
-          </p:nvPr>
+      <p:sp>
+        <p:nvSpPr>
+          <p:cNvPr id="16" name="圆角矩形 15"/>
+          <p:cNvSpPr/>
+          <p:nvPr/>
         </p:nvSpPr>
         <p:spPr>
           <a:xfrm>
-            <a:off x="1438910" y="1757045"/>
-            <a:ext cx="9505950" cy="4499610"/>
+            <a:off x="6895465" y="1508125"/>
+            <a:ext cx="2357755" cy="1649730"/>
           </a:xfrm>
-        </p:spPr>
-        <p:txBody>
-          <a:bodyPr>
-            <a:normAutofit/>
-          </a:bodyPr>
-          <a:p>
-            <a:pPr marL="0" indent="0">
-              <a:buNone/>
-            </a:pPr>
-            <a:r>
-              <a:rPr lang="en-US" altLang="zh-CN">
-                <a:sym typeface="+mn-ea"/>
-              </a:rPr>
-              <a:t>1. </a:t>
-            </a:r>
-            <a:r>
-              <a:rPr>
-                <a:sym typeface="+mn-ea"/>
-              </a:rPr>
-              <a:t>用于训练的机器硬件资源很重要，若内存与</a:t>
-            </a:r>
-            <a:r>
-              <a:rPr lang="en-US" altLang="zh-CN">
-                <a:sym typeface="+mn-ea"/>
-              </a:rPr>
-              <a:t>GPU</a:t>
-            </a:r>
-            <a:r>
-              <a:rPr>
-                <a:sym typeface="+mn-ea"/>
-              </a:rPr>
-              <a:t>容量足够，可以考虑直接将</a:t>
-            </a:r>
-            <a:r>
-              <a:rPr lang="en-US" altLang="zh-CN">
-                <a:sym typeface="+mn-ea"/>
-              </a:rPr>
-              <a:t>OneHot</a:t>
-            </a:r>
-            <a:r>
-              <a:rPr>
-                <a:sym typeface="+mn-ea"/>
-              </a:rPr>
-              <a:t>或者</a:t>
-            </a:r>
-            <a:r>
-              <a:rPr lang="en-US" altLang="zh-CN">
-                <a:sym typeface="+mn-ea"/>
-              </a:rPr>
-              <a:t>Tfidf</a:t>
-            </a:r>
-            <a:r>
-              <a:rPr>
-                <a:sym typeface="+mn-ea"/>
-              </a:rPr>
-              <a:t>处理之后的用户</a:t>
-            </a:r>
-            <a:r>
-              <a:rPr lang="en-US" altLang="zh-CN">
-                <a:sym typeface="+mn-ea"/>
-              </a:rPr>
-              <a:t>APP</a:t>
-            </a:r>
-            <a:r>
-              <a:rPr>
-                <a:sym typeface="+mn-ea"/>
-              </a:rPr>
-              <a:t>安装情况特征矩阵，直接作为模型的训练特征，这将大大提升模型的准确率</a:t>
-            </a:r>
-            <a:endParaRPr>
-              <a:sym typeface="+mn-ea"/>
-            </a:endParaRPr>
-          </a:p>
-          <a:p>
-            <a:pPr marL="0" indent="0">
-              <a:buNone/>
-            </a:pPr>
-            <a:endParaRPr>
-              <a:sym typeface="+mn-ea"/>
-            </a:endParaRPr>
-          </a:p>
-          <a:p>
-            <a:pPr marL="0" indent="0">
-              <a:buNone/>
-            </a:pPr>
-            <a:r>
-              <a:rPr lang="en-US" altLang="zh-CN">
-                <a:sym typeface="+mn-ea"/>
-              </a:rPr>
-              <a:t>2. </a:t>
-            </a:r>
-            <a:r>
-              <a:rPr lang="en-US" altLang="zh-CN">
-                <a:sym typeface="+mn-ea"/>
-              </a:rPr>
-              <a:t>user_app_actived</a:t>
-            </a:r>
-            <a:r>
-              <a:rPr>
-                <a:sym typeface="+mn-ea"/>
-              </a:rPr>
-              <a:t>数据表是强特征表，是特征工程展开的核心</a:t>
-            </a:r>
-            <a:endParaRPr>
-              <a:sym typeface="+mn-ea"/>
-            </a:endParaRPr>
-          </a:p>
-          <a:p>
-            <a:pPr marL="0" indent="0">
-              <a:buNone/>
-            </a:pPr>
-            <a:endParaRPr>
-              <a:sym typeface="+mn-ea"/>
-            </a:endParaRPr>
-          </a:p>
-          <a:p>
-            <a:pPr marL="0" indent="0">
-              <a:buNone/>
-            </a:pPr>
-            <a:r>
-              <a:rPr lang="en-US" altLang="zh-CN">
-                <a:sym typeface="+mn-ea"/>
-              </a:rPr>
-              <a:t>3. user_app_usage</a:t>
-            </a:r>
-            <a:r>
-              <a:rPr>
-                <a:sym typeface="+mn-ea"/>
-              </a:rPr>
-              <a:t>数据表容量庞大，相对来说可利用率较低，可以考虑直接丢弃，或者使用更好的</a:t>
-            </a:r>
-            <a:r>
-              <a:rPr lang="en-US" altLang="zh-CN">
-                <a:sym typeface="+mn-ea"/>
-              </a:rPr>
-              <a:t>NN</a:t>
-            </a:r>
-            <a:r>
-              <a:rPr>
-                <a:sym typeface="+mn-ea"/>
-              </a:rPr>
-              <a:t>模型进行特征挖掘</a:t>
-            </a:r>
-            <a:endParaRPr>
-              <a:sym typeface="+mn-ea"/>
-            </a:endParaRPr>
-          </a:p>
-          <a:p>
-            <a:pPr marL="0" indent="0">
-              <a:buNone/>
-            </a:pPr>
-            <a:endParaRPr>
-              <a:sym typeface="+mn-ea"/>
-            </a:endParaRPr>
-          </a:p>
-          <a:p>
-            <a:pPr marL="0" indent="0">
-              <a:buNone/>
-            </a:pPr>
-            <a:r>
-              <a:rPr>
-                <a:sym typeface="+mn-ea"/>
-              </a:rPr>
-              <a:t>    </a:t>
-            </a:r>
-            <a:endParaRPr>
-              <a:sym typeface="+mn-ea"/>
-            </a:endParaRPr>
-          </a:p>
-        </p:txBody>
-      </p:sp>
-    </p:spTree>
-    <p:custDataLst>
-      <p:tags r:id="rId1"/>
-    </p:custDataLst>
-  </p:cSld>
-  <p:clrMapOvr>
-    <a:masterClrMapping/>
-  </p:clrMapOvr>
-</p:sld>
-</file>
-
-<file path=ppt/slides/slide14.xml><?xml version="1.0" encoding="utf-8"?>
-<p:sld xmlns:a="http://schemas.openxmlformats.org/drawingml/2006/main" xmlns:r="http://schemas.openxmlformats.org/officeDocument/2006/relationships" xmlns:p="http://schemas.openxmlformats.org/presentationml/2006/main">
-  <p:cSld>
-    <p:spTree>
-      <p:nvGrpSpPr>
-        <p:cNvPr id="1" name=""/>
-        <p:cNvGrpSpPr/>
-        <p:nvPr/>
-      </p:nvGrpSpPr>
-      <p:grpSpPr/>
-      <p:sp>
-        <p:nvSpPr>
-          <p:cNvPr id="4" name="标题 3"/>
-          <p:cNvSpPr>
-            <a:spLocks noGrp="1"/>
-          </p:cNvSpPr>
-          <p:nvPr>
-            <p:ph type="title"/>
-          </p:nvPr>
-        </p:nvSpPr>
-        <p:spPr>
-          <a:xfrm>
-            <a:off x="4885310" y="2422846"/>
-            <a:ext cx="5419185" cy="895350"/>
-          </a:xfrm>
-        </p:spPr>
-        <p:txBody>
-          <a:bodyPr/>
-          <a:p>
-            <a:r>
-              <a:rPr lang="en-US" altLang="zh-CN" i="1">
-                <a:latin typeface="Times New Roman" panose="02020603050405020304" charset="0"/>
-                <a:cs typeface="Times New Roman" panose="02020603050405020304" charset="0"/>
-              </a:rPr>
-              <a:t>Thank you!</a:t>
-            </a:r>
-            <a:endParaRPr lang="en-US" altLang="zh-CN" i="1">
-              <a:latin typeface="Times New Roman" panose="02020603050405020304" charset="0"/>
-              <a:cs typeface="Times New Roman" panose="02020603050405020304" charset="0"/>
-            </a:endParaRPr>
-          </a:p>
-        </p:txBody>
-      </p:sp>
-    </p:spTree>
-    <p:custDataLst>
-      <p:tags r:id="rId1"/>
-    </p:custDataLst>
-  </p:cSld>
-  <p:clrMapOvr>
-    <a:masterClrMapping/>
-  </p:clrMapOvr>
-</p:sld>
-</file>
-
-<file path=ppt/slides/slide2.xml><?xml version="1.0" encoding="utf-8"?>
-<p:sld xmlns:a="http://schemas.openxmlformats.org/drawingml/2006/main" xmlns:r="http://schemas.openxmlformats.org/officeDocument/2006/relationships" xmlns:p="http://schemas.openxmlformats.org/presentationml/2006/main">
-  <p:cSld>
-    <p:spTree>
-      <p:nvGrpSpPr>
-        <p:cNvPr id="1" name=""/>
-        <p:cNvGrpSpPr/>
-        <p:nvPr/>
-      </p:nvGrpSpPr>
-      <p:grpSpPr/>
-      <p:sp>
-        <p:nvSpPr>
-          <p:cNvPr id="2" name="标题 1"/>
-          <p:cNvSpPr>
-            <a:spLocks noGrp="1"/>
-          </p:cNvSpPr>
-          <p:nvPr>
-            <p:ph type="title"/>
-          </p:nvPr>
-        </p:nvSpPr>
-        <p:spPr/>
-        <p:txBody>
-          <a:bodyPr>
-            <a:normAutofit fontScale="90000"/>
-          </a:bodyPr>
-          <a:p>
-            <a:r>
-              <a:rPr lang="en-US" altLang="zh-CN"/>
-              <a:t>1. </a:t>
-            </a:r>
-            <a:r>
-              <a:t>赛题分析</a:t>
-            </a:r>
-          </a:p>
-        </p:txBody>
-      </p:sp>
-      <p:sp>
-        <p:nvSpPr>
-          <p:cNvPr id="3" name="内容占位符 2"/>
-          <p:cNvSpPr>
-            <a:spLocks noGrp="1"/>
-          </p:cNvSpPr>
-          <p:nvPr>
-            <p:ph idx="1"/>
-          </p:nvPr>
-        </p:nvSpPr>
-        <p:spPr/>
-        <p:txBody>
-          <a:bodyPr/>
-          <a:p>
-            <a:r>
-              <a:rPr lang="zh-CN" altLang="en-US"/>
-              <a:t>年龄是用户人口属性的重要维度，本次比赛任务为根据用户的手机使用行为习惯来预估用户所处的年龄段。每个用户（以唯一ID标识）对应唯一的年龄段。</a:t>
-            </a:r>
-            <a:endParaRPr lang="zh-CN" altLang="en-US"/>
-          </a:p>
-          <a:p>
-            <a:r>
-              <a:rPr lang="zh-CN" altLang="en-US"/>
-              <a:t>年龄段有6种划分，分别代表不同年龄段，分别为：小于等于18岁， 19-23岁， 24-34岁， 35-44岁， 45-54岁，大于等于55岁。参赛同学根据华为提供数据构建预测模型进行年龄段预估，在测试数据集上给出预估结果。</a:t>
-            </a:r>
-            <a:r>
-              <a:rPr lang="en-US" altLang="zh-CN"/>
-              <a:t>(</a:t>
-            </a:r>
-            <a:r>
-              <a:t>结合给定的训练数据，输出测试集上对应用户的年龄段编号，为多分类任务</a:t>
-            </a:r>
-            <a:r>
-              <a:rPr lang="en-US" altLang="zh-CN"/>
-              <a:t>)</a:t>
-            </a:r>
-            <a:endParaRPr lang="en-US" altLang="zh-CN"/>
-          </a:p>
-          <a:p>
-            <a:endParaRPr lang="en-US" altLang="zh-CN"/>
-          </a:p>
-          <a:p>
-            <a:r>
-              <a:t>给定的训练数据表有：</a:t>
-            </a:r>
-            <a:r>
-              <a:rPr lang="en-US" altLang="zh-CN"/>
-              <a:t>age_train.csv -- </a:t>
-            </a:r>
-            <a:r>
-              <a:t>训练集用户编号及其对应的年龄段序号</a:t>
-            </a:r>
-          </a:p>
-          <a:p>
-            <a:pPr marL="0" indent="0">
-              <a:buNone/>
-            </a:pPr>
-            <a:r>
-              <a:rPr lang="en-US" altLang="zh-CN"/>
-              <a:t>		        user_basic_info.csv -- </a:t>
-            </a:r>
-            <a:r>
-              <a:t>所有用户的基本信息数据集，包含用户人口属性描述</a:t>
-            </a:r>
-          </a:p>
-          <a:p>
-            <a:pPr marL="0" indent="0">
-              <a:buNone/>
-            </a:pPr>
-            <a:r>
-              <a:rPr lang="en-US" altLang="zh-CN">
-                <a:sym typeface="+mn-ea"/>
-              </a:rPr>
-              <a:t>		        user_behavior_info.csv -- </a:t>
-            </a:r>
-            <a:r>
-              <a:rPr>
-                <a:sym typeface="+mn-ea"/>
-              </a:rPr>
-              <a:t>所有用户的设备的使用行为汇总数据</a:t>
-            </a:r>
-            <a:r>
-              <a:rPr lang="en-US" altLang="zh-CN">
-                <a:sym typeface="+mn-ea"/>
-              </a:rPr>
-              <a:t>(30</a:t>
-            </a:r>
-            <a:r>
-              <a:rPr>
-                <a:sym typeface="+mn-ea"/>
-              </a:rPr>
-              <a:t>天内</a:t>
-            </a:r>
-            <a:r>
-              <a:rPr lang="en-US" altLang="zh-CN">
-                <a:sym typeface="+mn-ea"/>
-              </a:rPr>
-              <a:t>)</a:t>
-            </a:r>
-            <a:endParaRPr lang="en-US" altLang="zh-CN">
-              <a:sym typeface="+mn-ea"/>
-            </a:endParaRPr>
-          </a:p>
-          <a:p>
-            <a:pPr marL="0" indent="0">
-              <a:buNone/>
-            </a:pPr>
-            <a:r>
-              <a:rPr lang="en-US" altLang="zh-CN">
-                <a:sym typeface="+mn-ea"/>
-              </a:rPr>
-              <a:t>		        user_app_actived.csv -- </a:t>
-            </a:r>
-            <a:r>
-              <a:rPr>
-                <a:sym typeface="+mn-ea"/>
-              </a:rPr>
-              <a:t>所有用户手机上激活的</a:t>
-            </a:r>
-            <a:r>
-              <a:rPr lang="en-US" altLang="zh-CN">
-                <a:sym typeface="+mn-ea"/>
-              </a:rPr>
-              <a:t>APP</a:t>
-            </a:r>
-            <a:r>
-              <a:rPr>
-                <a:sym typeface="+mn-ea"/>
-              </a:rPr>
-              <a:t>编号序列</a:t>
-            </a:r>
-            <a:r>
-              <a:rPr lang="en-US" altLang="zh-CN">
-                <a:sym typeface="+mn-ea"/>
-              </a:rPr>
-              <a:t>(</a:t>
-            </a:r>
-            <a:r>
-              <a:rPr>
-                <a:sym typeface="+mn-ea"/>
-              </a:rPr>
-              <a:t>强特征数据</a:t>
-            </a:r>
-            <a:r>
-              <a:rPr lang="en-US" altLang="zh-CN">
-                <a:sym typeface="+mn-ea"/>
-              </a:rPr>
-              <a:t>)</a:t>
-            </a:r>
-            <a:endParaRPr lang="en-US" altLang="zh-CN">
-              <a:sym typeface="+mn-ea"/>
-            </a:endParaRPr>
-          </a:p>
-          <a:p>
-            <a:pPr marL="0" indent="0">
-              <a:buNone/>
-            </a:pPr>
-            <a:r>
-              <a:rPr lang="en-US" altLang="zh-CN">
-                <a:sym typeface="+mn-ea"/>
-              </a:rPr>
-              <a:t>		        user_app_usage.csv -- </a:t>
-            </a:r>
-            <a:r>
-              <a:rPr>
-                <a:sym typeface="+mn-ea"/>
-              </a:rPr>
-              <a:t>用户30天内每天对单个app的打开次数和使用时长</a:t>
-            </a:r>
-            <a:endParaRPr>
-              <a:sym typeface="+mn-ea"/>
-            </a:endParaRPr>
-          </a:p>
-          <a:p>
-            <a:pPr marL="0" indent="0">
-              <a:buNone/>
-            </a:pPr>
-            <a:r>
-              <a:rPr lang="en-US" altLang="zh-CN">
-                <a:sym typeface="+mn-ea"/>
-              </a:rPr>
-              <a:t>		        app_info.csv -- 记录每个app所属的应用类型</a:t>
-            </a:r>
-            <a:endParaRPr lang="en-US" altLang="zh-CN">
-              <a:sym typeface="+mn-ea"/>
-            </a:endParaRPr>
-          </a:p>
-        </p:txBody>
-      </p:sp>
-    </p:spTree>
-    <p:custDataLst>
-      <p:tags r:id="rId1"/>
-    </p:custDataLst>
-  </p:cSld>
-  <p:clrMapOvr>
-    <a:masterClrMapping/>
-  </p:clrMapOvr>
-</p:sld>
-</file>
-
-<file path=ppt/slides/slide3.xml><?xml version="1.0" encoding="utf-8"?>
-<p:sld xmlns:a="http://schemas.openxmlformats.org/drawingml/2006/main" xmlns:r="http://schemas.openxmlformats.org/officeDocument/2006/relationships" xmlns:p="http://schemas.openxmlformats.org/presentationml/2006/main">
-  <p:cSld>
-    <p:spTree>
-      <p:nvGrpSpPr>
-        <p:cNvPr id="1" name=""/>
-        <p:cNvGrpSpPr/>
-        <p:nvPr/>
-      </p:nvGrpSpPr>
-      <p:grpSpPr/>
-      <p:sp>
-        <p:nvSpPr>
-          <p:cNvPr id="4" name="标题 3"/>
-          <p:cNvSpPr>
-            <a:spLocks noGrp="1"/>
-          </p:cNvSpPr>
-          <p:nvPr>
-            <p:ph type="title"/>
-          </p:nvPr>
-        </p:nvSpPr>
-        <p:spPr/>
-        <p:txBody>
-          <a:bodyPr/>
-          <a:p>
-            <a:r>
-              <a:rPr lang="zh-CN" altLang="en-US" sz="2200"/>
-              <a:t>赛题任务</a:t>
-            </a:r>
-            <a:endParaRPr lang="zh-CN" altLang="en-US" sz="2200"/>
-          </a:p>
-        </p:txBody>
-      </p:sp>
-      <p:sp>
-        <p:nvSpPr>
-          <p:cNvPr id="6" name="同侧圆角矩形 5"/>
-          <p:cNvSpPr/>
-          <p:nvPr/>
-        </p:nvSpPr>
-        <p:spPr>
-          <a:xfrm>
-            <a:off x="669925" y="2978785"/>
-            <a:ext cx="1620000" cy="900000"/>
-          </a:xfrm>
-          <a:prstGeom prst="round2SameRect">
-            <a:avLst/>
-          </a:prstGeom>
-          <a:solidFill>
-            <a:schemeClr val="accent2">
-              <a:lumMod val="75000"/>
-            </a:schemeClr>
-          </a:solidFill>
-        </p:spPr>
-        <p:style>
-          <a:lnRef idx="0">
-            <a:schemeClr val="accent2"/>
-          </a:lnRef>
-          <a:fillRef idx="3">
-            <a:schemeClr val="accent2"/>
-          </a:fillRef>
-          <a:effectRef idx="3">
-            <a:schemeClr val="accent2"/>
-          </a:effectRef>
-          <a:fontRef idx="minor">
-            <a:schemeClr val="lt1"/>
-          </a:fontRef>
-        </p:style>
-        <p:txBody>
-          <a:bodyPr rtlCol="0" anchor="ctr"/>
-          <a:p>
-            <a:pPr algn="ctr"/>
-            <a:r>
-              <a:rPr lang="en-US" altLang="zh-CN"/>
-              <a:t>Uid</a:t>
-            </a:r>
-            <a:endParaRPr lang="en-US" altLang="zh-CN"/>
-          </a:p>
-        </p:txBody>
-      </p:sp>
-      <p:sp>
-        <p:nvSpPr>
-          <p:cNvPr id="7" name="右箭头 6"/>
-          <p:cNvSpPr/>
-          <p:nvPr/>
-        </p:nvSpPr>
-        <p:spPr>
-          <a:xfrm>
-            <a:off x="2717165" y="3230880"/>
-            <a:ext cx="1538605" cy="397510"/>
-          </a:xfrm>
-          <a:prstGeom prst="rightArrow">
-            <a:avLst/>
-          </a:prstGeom>
-        </p:spPr>
-        <p:style>
-          <a:lnRef idx="2">
-            <a:schemeClr val="accent1">
-              <a:shade val="50000"/>
-            </a:schemeClr>
-          </a:lnRef>
-          <a:fillRef idx="1">
-            <a:schemeClr val="accent1"/>
-          </a:fillRef>
-          <a:effectRef idx="0">
-            <a:schemeClr val="accent1"/>
-          </a:effectRef>
-          <a:fontRef idx="minor">
-            <a:schemeClr val="lt1"/>
-          </a:fontRef>
-        </p:style>
-        <p:txBody>
-          <a:bodyPr rtlCol="0" anchor="ctr"/>
-          <a:p>
-            <a:pPr algn="ctr"/>
-            <a:endParaRPr lang="zh-CN" altLang="en-US"/>
-          </a:p>
-        </p:txBody>
-      </p:sp>
-      <p:sp>
-        <p:nvSpPr>
-          <p:cNvPr id="9" name="单圆角矩形 8"/>
-          <p:cNvSpPr/>
-          <p:nvPr/>
-        </p:nvSpPr>
-        <p:spPr>
-          <a:xfrm>
-            <a:off x="4624070" y="2978785"/>
-            <a:ext cx="1620000" cy="900000"/>
-          </a:xfrm>
-          <a:prstGeom prst="round1Rect">
-            <a:avLst/>
-          </a:prstGeom>
-          <a:solidFill>
-            <a:schemeClr val="accent3">
-              <a:lumMod val="75000"/>
-            </a:schemeClr>
-          </a:solidFill>
-        </p:spPr>
-        <p:style>
-          <a:lnRef idx="2">
-            <a:schemeClr val="accent1">
-              <a:shade val="50000"/>
-            </a:schemeClr>
-          </a:lnRef>
-          <a:fillRef idx="1">
-            <a:schemeClr val="accent1"/>
-          </a:fillRef>
-          <a:effectRef idx="0">
-            <a:schemeClr val="accent1"/>
-          </a:effectRef>
-          <a:fontRef idx="minor">
-            <a:schemeClr val="lt1"/>
-          </a:fontRef>
-        </p:style>
-        <p:txBody>
-          <a:bodyPr rtlCol="0" anchor="ctr"/>
-          <a:p>
-            <a:pPr algn="ctr"/>
-            <a:r>
-              <a:rPr lang="zh-CN" altLang="en-US"/>
-              <a:t>用户特征</a:t>
-            </a:r>
-            <a:endParaRPr lang="zh-CN" altLang="en-US"/>
-          </a:p>
-        </p:txBody>
-      </p:sp>
-      <p:sp>
-        <p:nvSpPr>
-          <p:cNvPr id="10" name="下箭头 9"/>
-          <p:cNvSpPr/>
-          <p:nvPr/>
-        </p:nvSpPr>
-        <p:spPr>
-          <a:xfrm rot="2820000">
-            <a:off x="5426075" y="1702435"/>
-            <a:ext cx="431800" cy="1243965"/>
-          </a:xfrm>
-          <a:prstGeom prst="downArrow">
-            <a:avLst/>
-          </a:prstGeom>
-        </p:spPr>
-        <p:style>
-          <a:lnRef idx="2">
-            <a:schemeClr val="accent1">
-              <a:shade val="50000"/>
-            </a:schemeClr>
-          </a:lnRef>
-          <a:fillRef idx="1">
-            <a:schemeClr val="accent1"/>
-          </a:fillRef>
-          <a:effectRef idx="0">
-            <a:schemeClr val="accent1"/>
-          </a:effectRef>
-          <a:fontRef idx="minor">
-            <a:schemeClr val="lt1"/>
-          </a:fontRef>
-        </p:style>
-        <p:txBody>
-          <a:bodyPr rtlCol="0" anchor="ctr"/>
-          <a:p>
-            <a:pPr algn="ctr"/>
-            <a:endParaRPr lang="zh-CN" altLang="en-US"/>
-          </a:p>
-        </p:txBody>
-      </p:sp>
-      <p:sp>
-        <p:nvSpPr>
-          <p:cNvPr id="11" name="下箭头 10"/>
-          <p:cNvSpPr/>
-          <p:nvPr/>
-        </p:nvSpPr>
-        <p:spPr>
-          <a:xfrm rot="8460000">
-            <a:off x="5469255" y="3949700"/>
-            <a:ext cx="431800" cy="1243965"/>
-          </a:xfrm>
-          <a:prstGeom prst="downArrow">
-            <a:avLst/>
-          </a:prstGeom>
-        </p:spPr>
-        <p:style>
-          <a:lnRef idx="2">
-            <a:schemeClr val="accent1">
-              <a:shade val="50000"/>
-            </a:schemeClr>
-          </a:lnRef>
-          <a:fillRef idx="1">
-            <a:schemeClr val="accent1"/>
-          </a:fillRef>
-          <a:effectRef idx="0">
-            <a:schemeClr val="accent1"/>
-          </a:effectRef>
-          <a:fontRef idx="minor">
-            <a:schemeClr val="lt1"/>
-          </a:fontRef>
-        </p:style>
-        <p:txBody>
-          <a:bodyPr rtlCol="0" anchor="ctr"/>
-          <a:p>
-            <a:pPr algn="ctr"/>
-            <a:endParaRPr lang="zh-CN" altLang="en-US"/>
-          </a:p>
-        </p:txBody>
-      </p:sp>
-      <p:sp>
-        <p:nvSpPr>
-          <p:cNvPr id="12" name="右箭头 11"/>
-          <p:cNvSpPr/>
-          <p:nvPr/>
-        </p:nvSpPr>
-        <p:spPr>
-          <a:xfrm>
-            <a:off x="6612890" y="3164840"/>
-            <a:ext cx="1848485" cy="544195"/>
-          </a:xfrm>
-          <a:prstGeom prst="rightArrow">
-            <a:avLst/>
-          </a:prstGeom>
-        </p:spPr>
-        <p:style>
-          <a:lnRef idx="2">
-            <a:schemeClr val="accent1">
-              <a:shade val="50000"/>
-            </a:schemeClr>
-          </a:lnRef>
-          <a:fillRef idx="1">
-            <a:schemeClr val="accent1"/>
-          </a:fillRef>
-          <a:effectRef idx="0">
-            <a:schemeClr val="accent1"/>
-          </a:effectRef>
-          <a:fontRef idx="minor">
-            <a:schemeClr val="lt1"/>
-          </a:fontRef>
-        </p:style>
-        <p:txBody>
-          <a:bodyPr rtlCol="0" anchor="ctr"/>
-          <a:p>
-            <a:pPr algn="ctr"/>
-            <a:endParaRPr lang="zh-CN" altLang="en-US"/>
-          </a:p>
-        </p:txBody>
-      </p:sp>
-      <p:sp>
-        <p:nvSpPr>
-          <p:cNvPr id="13" name="文本占位符 12"/>
-          <p:cNvSpPr>
-            <a:spLocks noGrp="1"/>
-          </p:cNvSpPr>
-          <p:nvPr>
-            <p:ph type="body" idx="1"/>
-          </p:nvPr>
-        </p:nvSpPr>
-        <p:spPr>
-          <a:xfrm>
-            <a:off x="6360795" y="2818130"/>
-            <a:ext cx="2352675" cy="346710"/>
-          </a:xfrm>
-        </p:spPr>
-        <p:txBody>
-          <a:bodyPr>
-            <a:normAutofit/>
-          </a:bodyPr>
-          <a:p>
-            <a:pPr marL="0" indent="0">
-              <a:buNone/>
-            </a:pPr>
-            <a:r>
-              <a:rPr lang="zh-CN" altLang="en-US"/>
-              <a:t>特征提取，模型训练</a:t>
-            </a:r>
-            <a:endParaRPr lang="zh-CN" altLang="en-US"/>
-          </a:p>
-        </p:txBody>
-      </p:sp>
-      <p:sp>
-        <p:nvSpPr>
-          <p:cNvPr id="14" name="单圆角矩形 13"/>
-          <p:cNvSpPr/>
-          <p:nvPr/>
-        </p:nvSpPr>
-        <p:spPr>
-          <a:xfrm>
-            <a:off x="8713470" y="2978785"/>
-            <a:ext cx="1938655" cy="899795"/>
-          </a:xfrm>
-          <a:prstGeom prst="round1Rect">
+          <a:prstGeom prst="roundRect">
             <a:avLst/>
           </a:prstGeom>
           <a:solidFill>
@@ -11058,15 +10219,15 @@
         </p:spPr>
         <p:style>
           <a:lnRef idx="2">
-            <a:schemeClr val="accent1">
+            <a:schemeClr val="accent2">
               <a:shade val="50000"/>
             </a:schemeClr>
           </a:lnRef>
           <a:fillRef idx="1">
-            <a:schemeClr val="accent1"/>
+            <a:schemeClr val="accent2"/>
           </a:fillRef>
           <a:effectRef idx="0">
-            <a:schemeClr val="accent1"/>
+            <a:schemeClr val="accent2"/>
           </a:effectRef>
           <a:fontRef idx="minor">
             <a:schemeClr val="lt1"/>
@@ -11078,105 +10239,23 @@
             <a:pPr algn="ctr"/>
             <a:r>
               <a:rPr lang="zh-CN" altLang="en-US"/>
-              <a:t>用户年龄段编号</a:t>
-            </a:r>
-            <a:endParaRPr lang="zh-CN" altLang="en-US"/>
-          </a:p>
-        </p:txBody>
-      </p:sp>
-      <p:sp>
-        <p:nvSpPr>
-          <p:cNvPr id="15" name="椭圆 14"/>
-          <p:cNvSpPr/>
-          <p:nvPr/>
-        </p:nvSpPr>
-        <p:spPr>
-          <a:xfrm>
-            <a:off x="6181725" y="975360"/>
-            <a:ext cx="1156970" cy="1157605"/>
-          </a:xfrm>
-          <a:prstGeom prst="ellipse">
-            <a:avLst/>
-          </a:prstGeom>
-          <a:solidFill>
-            <a:schemeClr val="accent1">
-              <a:lumMod val="60000"/>
-              <a:lumOff val="40000"/>
-            </a:schemeClr>
-          </a:solidFill>
-        </p:spPr>
-        <p:style>
-          <a:lnRef idx="2">
-            <a:schemeClr val="accent1">
-              <a:shade val="50000"/>
-            </a:schemeClr>
-          </a:lnRef>
-          <a:fillRef idx="1">
-            <a:schemeClr val="accent1"/>
-          </a:fillRef>
-          <a:effectRef idx="0">
-            <a:schemeClr val="accent1"/>
-          </a:effectRef>
-          <a:fontRef idx="minor">
-            <a:schemeClr val="lt1"/>
-          </a:fontRef>
-        </p:style>
-        <p:txBody>
-          <a:bodyPr rtlCol="0" anchor="ctr"/>
-          <a:p>
-            <a:pPr algn="ctr"/>
+              <a:t>预处理后的基本属性特征</a:t>
+            </a:r>
+            <a:r>
+              <a:rPr lang="en-US" altLang="zh-CN"/>
+              <a:t>+</a:t>
+            </a:r>
             <a:r>
               <a:rPr lang="zh-CN" altLang="en-US"/>
               <a:t>行为特征</a:t>
             </a:r>
-            <a:endParaRPr lang="zh-CN" altLang="en-US"/>
-          </a:p>
-        </p:txBody>
-      </p:sp>
-      <p:sp>
-        <p:nvSpPr>
-          <p:cNvPr id="16" name="椭圆 15"/>
-          <p:cNvSpPr/>
-          <p:nvPr/>
-        </p:nvSpPr>
-        <p:spPr>
-          <a:xfrm>
-            <a:off x="6181725" y="4824730"/>
-            <a:ext cx="1156970" cy="1157605"/>
-          </a:xfrm>
-          <a:prstGeom prst="ellipse">
-            <a:avLst/>
-          </a:prstGeom>
-          <a:solidFill>
-            <a:schemeClr val="accent1">
-              <a:lumMod val="60000"/>
-              <a:lumOff val="40000"/>
-            </a:schemeClr>
-          </a:solidFill>
-        </p:spPr>
-        <p:style>
-          <a:lnRef idx="2">
-            <a:schemeClr val="accent1">
-              <a:shade val="50000"/>
-            </a:schemeClr>
-          </a:lnRef>
-          <a:fillRef idx="1">
-            <a:schemeClr val="accent1"/>
-          </a:fillRef>
-          <a:effectRef idx="0">
-            <a:schemeClr val="accent1"/>
-          </a:effectRef>
-          <a:fontRef idx="minor">
-            <a:schemeClr val="lt1"/>
-          </a:fontRef>
-        </p:style>
-        <p:txBody>
-          <a:bodyPr rtlCol="0" anchor="ctr"/>
-          <a:p>
-            <a:pPr algn="ctr"/>
+            <a:r>
+              <a:rPr lang="en-US" altLang="zh-CN"/>
+              <a:t>+Tfidf</a:t>
+            </a:r>
             <a:r>
               <a:rPr lang="zh-CN" altLang="en-US"/>
-              <a:t>属性特征</a:t>
+              <a:t>稀疏矩阵特征</a:t>
             </a:r>
             <a:endParaRPr lang="zh-CN" altLang="en-US"/>
           </a:p>
@@ -11184,20 +10263,23 @@
       </p:sp>
       <p:cxnSp>
         <p:nvCxnSpPr>
-          <p:cNvPr id="17" name="直接连接符 16"/>
+          <p:cNvPr id="17" name="直接箭头连接符 16"/>
           <p:cNvCxnSpPr>
-            <a:stCxn id="15" idx="7"/>
+            <a:stCxn id="16" idx="3"/>
           </p:cNvCxnSpPr>
           <p:nvPr/>
         </p:nvCxnSpPr>
         <p:spPr>
           <a:xfrm flipV="1">
-            <a:off x="7169150" y="785495"/>
-            <a:ext cx="981710" cy="359410"/>
+            <a:off x="9253220" y="2321560"/>
+            <a:ext cx="1010920" cy="11430"/>
           </a:xfrm>
-          <a:prstGeom prst="line">
+          <a:prstGeom prst="straightConnector1">
             <a:avLst/>
           </a:prstGeom>
+          <a:ln>
+            <a:tailEnd type="arrow"/>
+          </a:ln>
         </p:spPr>
         <p:style>
           <a:lnRef idx="1">
@@ -11214,301 +10296,9 @@
           </a:fontRef>
         </p:style>
       </p:cxnSp>
-      <p:cxnSp>
-        <p:nvCxnSpPr>
-          <p:cNvPr id="18" name="直接连接符 17"/>
-          <p:cNvCxnSpPr>
-            <a:stCxn id="15" idx="6"/>
-          </p:cNvCxnSpPr>
-          <p:nvPr/>
-        </p:nvCxnSpPr>
-        <p:spPr>
-          <a:xfrm>
-            <a:off x="7338695" y="1554480"/>
-            <a:ext cx="967740" cy="8255"/>
-          </a:xfrm>
-          <a:prstGeom prst="line">
-            <a:avLst/>
-          </a:prstGeom>
-        </p:spPr>
-        <p:style>
-          <a:lnRef idx="1">
-            <a:schemeClr val="accent1"/>
-          </a:lnRef>
-          <a:fillRef idx="0">
-            <a:schemeClr val="accent1"/>
-          </a:fillRef>
-          <a:effectRef idx="0">
-            <a:schemeClr val="accent1"/>
-          </a:effectRef>
-          <a:fontRef idx="minor">
-            <a:schemeClr val="tx1"/>
-          </a:fontRef>
-        </p:style>
-      </p:cxnSp>
-      <p:cxnSp>
-        <p:nvCxnSpPr>
-          <p:cNvPr id="19" name="直接连接符 18"/>
-          <p:cNvCxnSpPr>
-            <a:stCxn id="15" idx="5"/>
-          </p:cNvCxnSpPr>
-          <p:nvPr/>
-        </p:nvCxnSpPr>
-        <p:spPr>
-          <a:xfrm>
-            <a:off x="7169150" y="1963420"/>
-            <a:ext cx="1033780" cy="342265"/>
-          </a:xfrm>
-          <a:prstGeom prst="line">
-            <a:avLst/>
-          </a:prstGeom>
-        </p:spPr>
-        <p:style>
-          <a:lnRef idx="1">
-            <a:schemeClr val="accent1"/>
-          </a:lnRef>
-          <a:fillRef idx="0">
-            <a:schemeClr val="accent1"/>
-          </a:fillRef>
-          <a:effectRef idx="0">
-            <a:schemeClr val="accent1"/>
-          </a:effectRef>
-          <a:fontRef idx="minor">
-            <a:schemeClr val="tx1"/>
-          </a:fontRef>
-        </p:style>
-      </p:cxnSp>
-      <p:sp>
-        <p:nvSpPr>
-          <p:cNvPr id="20" name="圆角矩形 19"/>
-          <p:cNvSpPr/>
-          <p:nvPr/>
-        </p:nvSpPr>
-        <p:spPr>
-          <a:xfrm>
-            <a:off x="8306435" y="491490"/>
-            <a:ext cx="2839720" cy="483870"/>
-          </a:xfrm>
-          <a:prstGeom prst="roundRect">
-            <a:avLst/>
-          </a:prstGeom>
-        </p:spPr>
-        <p:style>
-          <a:lnRef idx="2">
-            <a:schemeClr val="accent1">
-              <a:shade val="50000"/>
-            </a:schemeClr>
-          </a:lnRef>
-          <a:fillRef idx="1">
-            <a:schemeClr val="accent1"/>
-          </a:fillRef>
-          <a:effectRef idx="0">
-            <a:schemeClr val="accent1"/>
-          </a:effectRef>
-          <a:fontRef idx="minor">
-            <a:schemeClr val="lt1"/>
-          </a:fontRef>
-        </p:style>
-        <p:txBody>
-          <a:bodyPr rtlCol="0" anchor="ctr"/>
-          <a:p>
-            <a:pPr algn="ctr"/>
-            <a:r>
-              <a:rPr lang="zh-CN" altLang="en-US" sz="1400"/>
-              <a:t>手机上安装的</a:t>
-            </a:r>
-            <a:r>
-              <a:rPr lang="en-US" altLang="zh-CN" sz="1400"/>
-              <a:t>APP</a:t>
-            </a:r>
-            <a:r>
-              <a:rPr lang="zh-CN" altLang="en-US" sz="1400"/>
-              <a:t>编号序列</a:t>
-            </a:r>
-            <a:endParaRPr lang="zh-CN" altLang="en-US" sz="1400"/>
-          </a:p>
-        </p:txBody>
-      </p:sp>
-      <p:sp>
-        <p:nvSpPr>
-          <p:cNvPr id="21" name="圆角矩形 20"/>
-          <p:cNvSpPr/>
-          <p:nvPr/>
-        </p:nvSpPr>
-        <p:spPr>
-          <a:xfrm>
-            <a:off x="8348980" y="1311910"/>
-            <a:ext cx="2797810" cy="483870"/>
-          </a:xfrm>
-          <a:prstGeom prst="roundRect">
-            <a:avLst/>
-          </a:prstGeom>
-        </p:spPr>
-        <p:style>
-          <a:lnRef idx="2">
-            <a:schemeClr val="accent1">
-              <a:shade val="50000"/>
-            </a:schemeClr>
-          </a:lnRef>
-          <a:fillRef idx="1">
-            <a:schemeClr val="accent1"/>
-          </a:fillRef>
-          <a:effectRef idx="0">
-            <a:schemeClr val="accent1"/>
-          </a:effectRef>
-          <a:fontRef idx="minor">
-            <a:schemeClr val="lt1"/>
-          </a:fontRef>
-        </p:style>
-        <p:txBody>
-          <a:bodyPr rtlCol="0" anchor="ctr"/>
-          <a:p>
-            <a:pPr algn="ctr"/>
-            <a:r>
-              <a:rPr lang="en-US" sz="1400"/>
-              <a:t>30</a:t>
-            </a:r>
-            <a:r>
-              <a:rPr lang="zh-CN" altLang="en-US" sz="1400"/>
-              <a:t>天内对手机特性使用情况</a:t>
-            </a:r>
-            <a:endParaRPr lang="zh-CN" altLang="en-US" sz="1400"/>
-          </a:p>
-        </p:txBody>
-      </p:sp>
-      <p:sp>
-        <p:nvSpPr>
-          <p:cNvPr id="22" name="圆角矩形 21"/>
-          <p:cNvSpPr/>
-          <p:nvPr/>
-        </p:nvSpPr>
-        <p:spPr>
-          <a:xfrm>
-            <a:off x="8348980" y="2132965"/>
-            <a:ext cx="2797810" cy="483870"/>
-          </a:xfrm>
-          <a:prstGeom prst="roundRect">
-            <a:avLst/>
-          </a:prstGeom>
-        </p:spPr>
-        <p:style>
-          <a:lnRef idx="2">
-            <a:schemeClr val="accent1">
-              <a:shade val="50000"/>
-            </a:schemeClr>
-          </a:lnRef>
-          <a:fillRef idx="1">
-            <a:schemeClr val="accent1"/>
-          </a:fillRef>
-          <a:effectRef idx="0">
-            <a:schemeClr val="accent1"/>
-          </a:effectRef>
-          <a:fontRef idx="minor">
-            <a:schemeClr val="lt1"/>
-          </a:fontRef>
-        </p:style>
-        <p:txBody>
-          <a:bodyPr rtlCol="0" anchor="ctr"/>
-          <a:p>
-            <a:pPr algn="ctr"/>
-            <a:r>
-              <a:rPr lang="en-US" sz="1400"/>
-              <a:t>30</a:t>
-            </a:r>
-            <a:r>
-              <a:rPr lang="zh-CN" altLang="en-US" sz="1400"/>
-              <a:t>天每天对某个</a:t>
-            </a:r>
-            <a:r>
-              <a:rPr lang="en-US" altLang="zh-CN" sz="1400"/>
-              <a:t>APP</a:t>
-            </a:r>
-            <a:r>
-              <a:rPr lang="zh-CN" altLang="en-US" sz="1400"/>
-              <a:t>的使用情况</a:t>
-            </a:r>
-            <a:endParaRPr lang="zh-CN" altLang="en-US" sz="1400"/>
-          </a:p>
-        </p:txBody>
-      </p:sp>
-      <p:cxnSp>
-        <p:nvCxnSpPr>
-          <p:cNvPr id="23" name="直接连接符 22"/>
-          <p:cNvCxnSpPr>
-            <a:stCxn id="16" idx="6"/>
-          </p:cNvCxnSpPr>
-          <p:nvPr/>
-        </p:nvCxnSpPr>
-        <p:spPr>
-          <a:xfrm flipV="1">
-            <a:off x="7338695" y="5397500"/>
-            <a:ext cx="984885" cy="6350"/>
-          </a:xfrm>
-          <a:prstGeom prst="line">
-            <a:avLst/>
-          </a:prstGeom>
-        </p:spPr>
-        <p:style>
-          <a:lnRef idx="1">
-            <a:schemeClr val="accent1"/>
-          </a:lnRef>
-          <a:fillRef idx="0">
-            <a:schemeClr val="accent1"/>
-          </a:fillRef>
-          <a:effectRef idx="0">
-            <a:schemeClr val="accent1"/>
-          </a:effectRef>
-          <a:fontRef idx="minor">
-            <a:schemeClr val="tx1"/>
-          </a:fontRef>
-        </p:style>
-      </p:cxnSp>
-      <p:sp>
-        <p:nvSpPr>
-          <p:cNvPr id="24" name="圆角矩形 23"/>
-          <p:cNvSpPr/>
-          <p:nvPr/>
-        </p:nvSpPr>
-        <p:spPr>
-          <a:xfrm>
-            <a:off x="8348980" y="5101590"/>
-            <a:ext cx="2839720" cy="603885"/>
-          </a:xfrm>
-          <a:prstGeom prst="roundRect">
-            <a:avLst/>
-          </a:prstGeom>
-        </p:spPr>
-        <p:style>
-          <a:lnRef idx="2">
-            <a:schemeClr val="accent1">
-              <a:shade val="50000"/>
-            </a:schemeClr>
-          </a:lnRef>
-          <a:fillRef idx="1">
-            <a:schemeClr val="accent1"/>
-          </a:fillRef>
-          <a:effectRef idx="0">
-            <a:schemeClr val="accent1"/>
-          </a:effectRef>
-          <a:fontRef idx="minor">
-            <a:schemeClr val="lt1"/>
-          </a:fontRef>
-        </p:style>
-        <p:txBody>
-          <a:bodyPr rtlCol="0" anchor="ctr"/>
-          <a:p>
-            <a:pPr algn="ctr"/>
-            <a:r>
-              <a:rPr lang="zh-CN" sz="1400"/>
-              <a:t>用户自身人口属性，手机基本信息</a:t>
-            </a:r>
-            <a:endParaRPr lang="zh-CN" sz="1400"/>
-          </a:p>
-        </p:txBody>
-      </p:sp>
-      <p:sp>
-        <p:nvSpPr>
-          <p:cNvPr id="25" name="文本占位符 12"/>
+      <p:sp>
+        <p:nvSpPr>
+          <p:cNvPr id="18" name="文本占位符 12"/>
           <p:cNvSpPr>
             <a:spLocks noGrp="1"/>
           </p:cNvSpPr>
@@ -11516,8 +10306,8 @@
         </p:nvSpPr>
         <p:spPr>
           <a:xfrm>
-            <a:off x="11146790" y="335280"/>
-            <a:ext cx="861060" cy="346710"/>
+            <a:off x="10393045" y="2136775"/>
+            <a:ext cx="1129030" cy="381000"/>
           </a:xfrm>
           <a:prstGeom prst="rect">
             <a:avLst/>
@@ -11734,16 +10524,352 @@
               <a:buNone/>
             </a:pPr>
             <a:r>
-              <a:rPr lang="en-US" altLang="zh-CN" sz="1200"/>
-              <a:t>appid</a:t>
-            </a:r>
-            <a:endParaRPr lang="en-US" altLang="zh-CN" sz="1200"/>
-          </a:p>
-        </p:txBody>
-      </p:sp>
-      <p:sp>
-        <p:nvSpPr>
-          <p:cNvPr id="26" name="文本占位符 12"/>
+              <a:rPr lang="en-US" altLang="zh-CN" sz="1800"/>
+              <a:t>0.59+</a:t>
+            </a:r>
+            <a:endParaRPr lang="en-US" altLang="zh-CN" sz="1800"/>
+          </a:p>
+        </p:txBody>
+      </p:sp>
+    </p:spTree>
+    <p:custDataLst>
+      <p:tags r:id="rId1"/>
+    </p:custDataLst>
+  </p:cSld>
+  <p:clrMapOvr>
+    <a:masterClrMapping/>
+  </p:clrMapOvr>
+</p:sld>
+</file>
+
+<file path=ppt/slides/slide13.xml><?xml version="1.0" encoding="utf-8"?>
+<p:sld xmlns:a="http://schemas.openxmlformats.org/drawingml/2006/main" xmlns:r="http://schemas.openxmlformats.org/officeDocument/2006/relationships" xmlns:p="http://schemas.openxmlformats.org/presentationml/2006/main">
+  <p:cSld>
+    <p:spTree>
+      <p:nvGrpSpPr>
+        <p:cNvPr id="1" name=""/>
+        <p:cNvGrpSpPr/>
+        <p:nvPr/>
+      </p:nvGrpSpPr>
+      <p:grpSpPr/>
+      <p:sp>
+        <p:nvSpPr>
+          <p:cNvPr id="2" name="标题 1"/>
+          <p:cNvSpPr>
+            <a:spLocks noGrp="1"/>
+          </p:cNvSpPr>
+          <p:nvPr>
+            <p:ph type="title"/>
+          </p:nvPr>
+        </p:nvSpPr>
+        <p:spPr/>
+        <p:txBody>
+          <a:bodyPr>
+            <a:normAutofit fontScale="90000"/>
+          </a:bodyPr>
+          <a:p>
+            <a:r>
+              <a:rPr lang="en-US" altLang="zh-CN">
+                <a:sym typeface="+mn-ea"/>
+              </a:rPr>
+              <a:t>4. </a:t>
+            </a:r>
+            <a:r>
+              <a:rPr>
+                <a:sym typeface="+mn-ea"/>
+              </a:rPr>
+              <a:t>模型选取</a:t>
+            </a:r>
+            <a:br>
+              <a:rPr>
+                <a:sym typeface="+mn-ea"/>
+              </a:rPr>
+            </a:br>
+            <a:endParaRPr lang="zh-CN" altLang="en-US"/>
+          </a:p>
+        </p:txBody>
+      </p:sp>
+      <p:sp>
+        <p:nvSpPr>
+          <p:cNvPr id="3" name="内容占位符 2"/>
+          <p:cNvSpPr>
+            <a:spLocks noGrp="1"/>
+          </p:cNvSpPr>
+          <p:nvPr>
+            <p:ph idx="1"/>
+          </p:nvPr>
+        </p:nvSpPr>
+        <p:spPr/>
+        <p:txBody>
+          <a:bodyPr/>
+          <a:p>
+            <a:r>
+              <a:rPr lang="zh-CN" altLang="en-US"/>
+              <a:t>模型三：</a:t>
+            </a:r>
+            <a:r>
+              <a:rPr lang="en-US" altLang="zh-CN">
+                <a:sym typeface="+mn-ea"/>
+              </a:rPr>
+              <a:t>lightGBM</a:t>
+            </a:r>
+            <a:r>
+              <a:rPr>
+                <a:sym typeface="+mn-ea"/>
+              </a:rPr>
+              <a:t>多分类器</a:t>
+            </a:r>
+            <a:endParaRPr>
+              <a:sym typeface="+mn-ea"/>
+            </a:endParaRPr>
+          </a:p>
+          <a:p>
+            <a:endParaRPr lang="en-US" altLang="zh-CN">
+              <a:sym typeface="+mn-ea"/>
+            </a:endParaRPr>
+          </a:p>
+          <a:p>
+            <a:endParaRPr lang="en-US" altLang="zh-CN">
+              <a:sym typeface="+mn-ea"/>
+            </a:endParaRPr>
+          </a:p>
+          <a:p>
+            <a:endParaRPr lang="en-US" altLang="zh-CN">
+              <a:sym typeface="+mn-ea"/>
+            </a:endParaRPr>
+          </a:p>
+          <a:p>
+            <a:endParaRPr lang="en-US" altLang="zh-CN">
+              <a:sym typeface="+mn-ea"/>
+            </a:endParaRPr>
+          </a:p>
+          <a:p>
+            <a:endParaRPr lang="en-US" altLang="zh-CN">
+              <a:sym typeface="+mn-ea"/>
+            </a:endParaRPr>
+          </a:p>
+          <a:p>
+            <a:endParaRPr lang="en-US" altLang="zh-CN">
+              <a:sym typeface="+mn-ea"/>
+            </a:endParaRPr>
+          </a:p>
+          <a:p>
+            <a:r>
+              <a:rPr>
+                <a:sym typeface="+mn-ea"/>
+              </a:rPr>
+              <a:t>注：使用</a:t>
+            </a:r>
+            <a:r>
+              <a:rPr lang="en-US" altLang="zh-CN">
+                <a:sym typeface="+mn-ea"/>
+              </a:rPr>
+              <a:t>lightGBM</a:t>
+            </a:r>
+            <a:r>
+              <a:rPr>
+                <a:sym typeface="+mn-ea"/>
+              </a:rPr>
+              <a:t>结合</a:t>
+            </a:r>
+            <a:r>
+              <a:rPr lang="en-US" altLang="zh-CN">
+                <a:sym typeface="+mn-ea"/>
+              </a:rPr>
+              <a:t>Tfidf</a:t>
+            </a:r>
+            <a:r>
+              <a:rPr>
+                <a:sym typeface="+mn-ea"/>
+              </a:rPr>
+              <a:t>化之后的稀疏词矩阵进行训练，就目前来看结果是最好的，但是时间</a:t>
+            </a:r>
+            <a:r>
+              <a:rPr lang="en-US" altLang="zh-CN">
+                <a:sym typeface="+mn-ea"/>
+              </a:rPr>
+              <a:t>/</a:t>
+            </a:r>
+            <a:r>
+              <a:rPr>
+                <a:sym typeface="+mn-ea"/>
+              </a:rPr>
+              <a:t>空间开销是最高的。</a:t>
+            </a:r>
+            <a:r>
+              <a:rPr lang="en-US" altLang="zh-CN">
+                <a:sym typeface="+mn-ea"/>
+              </a:rPr>
+              <a:t>[PS:</a:t>
+            </a:r>
+            <a:r>
+              <a:rPr>
+                <a:sym typeface="+mn-ea"/>
+              </a:rPr>
+              <a:t>训练完成的整体时间需要</a:t>
+            </a:r>
+            <a:r>
+              <a:rPr lang="en-US" altLang="zh-CN">
+                <a:sym typeface="+mn-ea"/>
+              </a:rPr>
+              <a:t>20</a:t>
+            </a:r>
+            <a:r>
+              <a:rPr>
+                <a:sym typeface="+mn-ea"/>
+              </a:rPr>
+              <a:t>多个小时，机器条件：</a:t>
+            </a:r>
+            <a:r>
+              <a:rPr lang="en-US" altLang="zh-CN">
+                <a:sym typeface="+mn-ea"/>
+              </a:rPr>
+              <a:t>16GB</a:t>
+            </a:r>
+            <a:r>
+              <a:rPr>
+                <a:sym typeface="+mn-ea"/>
+              </a:rPr>
+              <a:t>内存</a:t>
+            </a:r>
+            <a:r>
+              <a:rPr lang="en-US" altLang="zh-CN">
+                <a:sym typeface="+mn-ea"/>
+              </a:rPr>
+              <a:t>+</a:t>
+            </a:r>
+            <a:r>
+              <a:rPr>
+                <a:sym typeface="+mn-ea"/>
+              </a:rPr>
+              <a:t>纯</a:t>
+            </a:r>
+            <a:r>
+              <a:rPr lang="en-US" altLang="zh-CN">
+                <a:sym typeface="+mn-ea"/>
+              </a:rPr>
+              <a:t>CPU</a:t>
+            </a:r>
+            <a:r>
+              <a:rPr>
+                <a:sym typeface="+mn-ea"/>
+              </a:rPr>
+              <a:t>训练</a:t>
+            </a:r>
+            <a:r>
+              <a:rPr lang="en-US" altLang="zh-CN">
+                <a:sym typeface="+mn-ea"/>
+              </a:rPr>
+              <a:t>]</a:t>
+            </a:r>
+            <a:endParaRPr lang="en-US" altLang="zh-CN">
+              <a:sym typeface="+mn-ea"/>
+            </a:endParaRPr>
+          </a:p>
+        </p:txBody>
+      </p:sp>
+      <p:sp>
+        <p:nvSpPr>
+          <p:cNvPr id="4" name="圆角矩形 3"/>
+          <p:cNvSpPr/>
+          <p:nvPr/>
+        </p:nvSpPr>
+        <p:spPr>
+          <a:xfrm>
+            <a:off x="1310640" y="1631315"/>
+            <a:ext cx="2357755" cy="1649730"/>
+          </a:xfrm>
+          <a:prstGeom prst="roundRect">
+            <a:avLst/>
+          </a:prstGeom>
+          <a:solidFill>
+            <a:schemeClr val="accent2">
+              <a:lumMod val="75000"/>
+            </a:schemeClr>
+          </a:solidFill>
+        </p:spPr>
+        <p:style>
+          <a:lnRef idx="2">
+            <a:schemeClr val="accent2">
+              <a:shade val="50000"/>
+            </a:schemeClr>
+          </a:lnRef>
+          <a:fillRef idx="1">
+            <a:schemeClr val="accent2"/>
+          </a:fillRef>
+          <a:effectRef idx="0">
+            <a:schemeClr val="accent2"/>
+          </a:effectRef>
+          <a:fontRef idx="minor">
+            <a:schemeClr val="lt1"/>
+          </a:fontRef>
+        </p:style>
+        <p:txBody>
+          <a:bodyPr rtlCol="0" anchor="ctr"/>
+          <a:p>
+            <a:pPr algn="ctr"/>
+            <a:r>
+              <a:rPr lang="zh-CN" altLang="en-US"/>
+              <a:t>预处理后的基本属性特征</a:t>
+            </a:r>
+            <a:r>
+              <a:rPr lang="en-US" altLang="zh-CN"/>
+              <a:t>+</a:t>
+            </a:r>
+            <a:r>
+              <a:rPr lang="zh-CN" altLang="en-US"/>
+              <a:t>行为特征</a:t>
+            </a:r>
+            <a:r>
+              <a:rPr lang="en-US" altLang="zh-CN"/>
+              <a:t>+Tfidf</a:t>
+            </a:r>
+            <a:r>
+              <a:rPr lang="zh-CN" altLang="en-US"/>
+              <a:t>稀疏矩阵特征</a:t>
+            </a:r>
+            <a:endParaRPr lang="zh-CN" altLang="en-US"/>
+          </a:p>
+        </p:txBody>
+      </p:sp>
+      <p:cxnSp>
+        <p:nvCxnSpPr>
+          <p:cNvPr id="5" name="直接箭头连接符 4"/>
+          <p:cNvCxnSpPr>
+            <a:stCxn id="4" idx="3"/>
+          </p:cNvCxnSpPr>
+          <p:nvPr/>
+        </p:nvCxnSpPr>
+        <p:spPr>
+          <a:xfrm flipV="1">
+            <a:off x="3668395" y="2444750"/>
+            <a:ext cx="1010920" cy="11430"/>
+          </a:xfrm>
+          <a:prstGeom prst="straightConnector1">
+            <a:avLst/>
+          </a:prstGeom>
+          <a:ln>
+            <a:tailEnd type="arrow"/>
+          </a:ln>
+        </p:spPr>
+        <p:style>
+          <a:lnRef idx="1">
+            <a:schemeClr val="accent1"/>
+          </a:lnRef>
+          <a:fillRef idx="0">
+            <a:schemeClr val="accent1"/>
+          </a:fillRef>
+          <a:effectRef idx="0">
+            <a:schemeClr val="accent1"/>
+          </a:effectRef>
+          <a:fontRef idx="minor">
+            <a:schemeClr val="tx1"/>
+          </a:fontRef>
+        </p:style>
+      </p:cxnSp>
+      <p:sp>
+        <p:nvSpPr>
+          <p:cNvPr id="25" name="文本占位符 12"/>
           <p:cNvSpPr>
             <a:spLocks noGrp="1"/>
           </p:cNvSpPr>
@@ -11751,8 +10877,8 @@
         </p:nvSpPr>
         <p:spPr>
           <a:xfrm>
-            <a:off x="11146155" y="1057275"/>
-            <a:ext cx="1310005" cy="1002665"/>
+            <a:off x="4808220" y="2259965"/>
+            <a:ext cx="1129030" cy="381000"/>
           </a:xfrm>
           <a:prstGeom prst="rect">
             <a:avLst/>
@@ -11969,36 +11095,1334 @@
               <a:buNone/>
             </a:pPr>
             <a:r>
-              <a:rPr lang="en-US" altLang="zh-CN" sz="1200"/>
-              <a:t>bootTimes</a:t>
-            </a:r>
-            <a:endParaRPr lang="en-US" altLang="zh-CN" sz="1200"/>
-          </a:p>
+              <a:rPr lang="en-US" altLang="zh-CN" sz="1800"/>
+              <a:t>0.60+</a:t>
+            </a:r>
+            <a:endParaRPr lang="en-US" altLang="zh-CN" sz="1800"/>
+          </a:p>
+        </p:txBody>
+      </p:sp>
+    </p:spTree>
+    <p:custDataLst>
+      <p:tags r:id="rId1"/>
+    </p:custDataLst>
+  </p:cSld>
+  <p:clrMapOvr>
+    <a:masterClrMapping/>
+  </p:clrMapOvr>
+</p:sld>
+</file>
+
+<file path=ppt/slides/slide14.xml><?xml version="1.0" encoding="utf-8"?>
+<p:sld xmlns:a="http://schemas.openxmlformats.org/drawingml/2006/main" xmlns:r="http://schemas.openxmlformats.org/officeDocument/2006/relationships" xmlns:p="http://schemas.openxmlformats.org/presentationml/2006/main">
+  <p:cSld>
+    <p:spTree>
+      <p:nvGrpSpPr>
+        <p:cNvPr id="1" name=""/>
+        <p:cNvGrpSpPr/>
+        <p:nvPr/>
+      </p:nvGrpSpPr>
+      <p:grpSpPr/>
+      <p:sp>
+        <p:nvSpPr>
+          <p:cNvPr id="2" name="标题 1"/>
+          <p:cNvSpPr>
+            <a:spLocks noGrp="1"/>
+          </p:cNvSpPr>
+          <p:nvPr>
+            <p:ph type="title"/>
+          </p:nvPr>
+        </p:nvSpPr>
+        <p:spPr/>
+        <p:txBody>
+          <a:bodyPr>
+            <a:normAutofit fontScale="90000"/>
+          </a:bodyPr>
+          <a:p>
+            <a:r>
+              <a:rPr lang="en-US" altLang="zh-CN"/>
+              <a:t>5. </a:t>
+            </a:r>
+            <a:r>
+              <a:t>总结</a:t>
+            </a:r>
+          </a:p>
+        </p:txBody>
+      </p:sp>
+      <p:sp>
+        <p:nvSpPr>
+          <p:cNvPr id="3" name="内容占位符 2"/>
+          <p:cNvSpPr>
+            <a:spLocks noGrp="1"/>
+          </p:cNvSpPr>
+          <p:nvPr>
+            <p:ph idx="1"/>
+          </p:nvPr>
+        </p:nvSpPr>
+        <p:spPr>
+          <a:xfrm>
+            <a:off x="1438910" y="1757045"/>
+            <a:ext cx="9505950" cy="4499610"/>
+          </a:xfrm>
+        </p:spPr>
+        <p:txBody>
+          <a:bodyPr>
+            <a:normAutofit/>
+          </a:bodyPr>
           <a:p>
             <a:pPr marL="0" indent="0">
               <a:buNone/>
             </a:pPr>
             <a:r>
-              <a:rPr lang="en-US" altLang="zh-CN" sz="1200"/>
-              <a:t>FuncTime</a:t>
-            </a:r>
-            <a:endParaRPr lang="en-US" altLang="zh-CN" sz="1200"/>
+              <a:rPr lang="en-US" altLang="zh-CN">
+                <a:sym typeface="+mn-ea"/>
+              </a:rPr>
+              <a:t>1. </a:t>
+            </a:r>
+            <a:r>
+              <a:rPr>
+                <a:sym typeface="+mn-ea"/>
+              </a:rPr>
+              <a:t>用于训练的机器硬件资源很重要，若内存与</a:t>
+            </a:r>
+            <a:r>
+              <a:rPr lang="en-US" altLang="zh-CN">
+                <a:sym typeface="+mn-ea"/>
+              </a:rPr>
+              <a:t>GPU</a:t>
+            </a:r>
+            <a:r>
+              <a:rPr>
+                <a:sym typeface="+mn-ea"/>
+              </a:rPr>
+              <a:t>容量足够，可以考虑直接将</a:t>
+            </a:r>
+            <a:r>
+              <a:rPr lang="en-US" altLang="zh-CN">
+                <a:sym typeface="+mn-ea"/>
+              </a:rPr>
+              <a:t>OneHot</a:t>
+            </a:r>
+            <a:r>
+              <a:rPr>
+                <a:sym typeface="+mn-ea"/>
+              </a:rPr>
+              <a:t>或者</a:t>
+            </a:r>
+            <a:r>
+              <a:rPr lang="en-US" altLang="zh-CN">
+                <a:sym typeface="+mn-ea"/>
+              </a:rPr>
+              <a:t>Tfidf</a:t>
+            </a:r>
+            <a:r>
+              <a:rPr>
+                <a:sym typeface="+mn-ea"/>
+              </a:rPr>
+              <a:t>处理之后的用户</a:t>
+            </a:r>
+            <a:r>
+              <a:rPr lang="en-US" altLang="zh-CN">
+                <a:sym typeface="+mn-ea"/>
+              </a:rPr>
+              <a:t>APP</a:t>
+            </a:r>
+            <a:r>
+              <a:rPr>
+                <a:sym typeface="+mn-ea"/>
+              </a:rPr>
+              <a:t>安装情况特征矩阵，直接作为模型的训练特征，这将大大提升模型的准确率</a:t>
+            </a:r>
+            <a:endParaRPr>
+              <a:sym typeface="+mn-ea"/>
+            </a:endParaRPr>
           </a:p>
           <a:p>
             <a:pPr marL="0" indent="0">
               <a:buNone/>
             </a:pPr>
-            <a:r>
-              <a:rPr lang="en-US" altLang="zh-CN" sz="1200"/>
-              <a:t>...</a:t>
-            </a:r>
-            <a:endParaRPr lang="en-US" altLang="zh-CN" sz="1200"/>
-          </a:p>
-        </p:txBody>
-      </p:sp>
-      <p:sp>
-        <p:nvSpPr>
-          <p:cNvPr id="27" name="文本占位符 12"/>
+            <a:endParaRPr>
+              <a:sym typeface="+mn-ea"/>
+            </a:endParaRPr>
+          </a:p>
+          <a:p>
+            <a:pPr marL="0" indent="0">
+              <a:buNone/>
+            </a:pPr>
+            <a:r>
+              <a:rPr lang="en-US" altLang="zh-CN">
+                <a:sym typeface="+mn-ea"/>
+              </a:rPr>
+              <a:t>2. </a:t>
+            </a:r>
+            <a:r>
+              <a:rPr lang="en-US" altLang="zh-CN">
+                <a:sym typeface="+mn-ea"/>
+              </a:rPr>
+              <a:t>user_app_actived</a:t>
+            </a:r>
+            <a:r>
+              <a:rPr>
+                <a:sym typeface="+mn-ea"/>
+              </a:rPr>
+              <a:t>数据表是强特征表，是特征工程展开的核心</a:t>
+            </a:r>
+            <a:endParaRPr>
+              <a:sym typeface="+mn-ea"/>
+            </a:endParaRPr>
+          </a:p>
+          <a:p>
+            <a:pPr marL="0" indent="0">
+              <a:buNone/>
+            </a:pPr>
+            <a:endParaRPr>
+              <a:sym typeface="+mn-ea"/>
+            </a:endParaRPr>
+          </a:p>
+          <a:p>
+            <a:pPr marL="0" indent="0">
+              <a:buNone/>
+            </a:pPr>
+            <a:r>
+              <a:rPr lang="en-US" altLang="zh-CN">
+                <a:sym typeface="+mn-ea"/>
+              </a:rPr>
+              <a:t>3. user_app_usage</a:t>
+            </a:r>
+            <a:r>
+              <a:rPr>
+                <a:sym typeface="+mn-ea"/>
+              </a:rPr>
+              <a:t>数据表容量庞大，相对来说可利用率较低，可以考虑直接丢弃，或者使用更好的</a:t>
+            </a:r>
+            <a:r>
+              <a:rPr lang="en-US" altLang="zh-CN">
+                <a:sym typeface="+mn-ea"/>
+              </a:rPr>
+              <a:t>NN</a:t>
+            </a:r>
+            <a:r>
+              <a:rPr>
+                <a:sym typeface="+mn-ea"/>
+              </a:rPr>
+              <a:t>模型进行特征挖掘</a:t>
+            </a:r>
+            <a:endParaRPr>
+              <a:sym typeface="+mn-ea"/>
+            </a:endParaRPr>
+          </a:p>
+          <a:p>
+            <a:pPr marL="0" indent="0">
+              <a:buNone/>
+            </a:pPr>
+            <a:endParaRPr>
+              <a:sym typeface="+mn-ea"/>
+            </a:endParaRPr>
+          </a:p>
+          <a:p>
+            <a:pPr marL="0" indent="0">
+              <a:buNone/>
+            </a:pPr>
+            <a:r>
+              <a:rPr>
+                <a:sym typeface="+mn-ea"/>
+              </a:rPr>
+              <a:t>    </a:t>
+            </a:r>
+            <a:endParaRPr>
+              <a:sym typeface="+mn-ea"/>
+            </a:endParaRPr>
+          </a:p>
+        </p:txBody>
+      </p:sp>
+    </p:spTree>
+    <p:custDataLst>
+      <p:tags r:id="rId1"/>
+    </p:custDataLst>
+  </p:cSld>
+  <p:clrMapOvr>
+    <a:masterClrMapping/>
+  </p:clrMapOvr>
+</p:sld>
+</file>
+
+<file path=ppt/slides/slide15.xml><?xml version="1.0" encoding="utf-8"?>
+<p:sld xmlns:a="http://schemas.openxmlformats.org/drawingml/2006/main" xmlns:r="http://schemas.openxmlformats.org/officeDocument/2006/relationships" xmlns:p="http://schemas.openxmlformats.org/presentationml/2006/main">
+  <p:cSld>
+    <p:spTree>
+      <p:nvGrpSpPr>
+        <p:cNvPr id="1" name=""/>
+        <p:cNvGrpSpPr/>
+        <p:nvPr/>
+      </p:nvGrpSpPr>
+      <p:grpSpPr/>
+      <p:sp>
+        <p:nvSpPr>
+          <p:cNvPr id="4" name="标题 3"/>
+          <p:cNvSpPr>
+            <a:spLocks noGrp="1"/>
+          </p:cNvSpPr>
+          <p:nvPr>
+            <p:ph type="title"/>
+          </p:nvPr>
+        </p:nvSpPr>
+        <p:spPr>
+          <a:xfrm>
+            <a:off x="4885310" y="2422846"/>
+            <a:ext cx="5419185" cy="895350"/>
+          </a:xfrm>
+        </p:spPr>
+        <p:txBody>
+          <a:bodyPr/>
+          <a:p>
+            <a:r>
+              <a:rPr lang="en-US" altLang="zh-CN" i="1">
+                <a:latin typeface="Times New Roman" panose="02020603050405020304" charset="0"/>
+                <a:cs typeface="Times New Roman" panose="02020603050405020304" charset="0"/>
+              </a:rPr>
+              <a:t>Thank you!</a:t>
+            </a:r>
+            <a:endParaRPr lang="en-US" altLang="zh-CN" i="1">
+              <a:latin typeface="Times New Roman" panose="02020603050405020304" charset="0"/>
+              <a:cs typeface="Times New Roman" panose="02020603050405020304" charset="0"/>
+            </a:endParaRPr>
+          </a:p>
+        </p:txBody>
+      </p:sp>
+    </p:spTree>
+    <p:custDataLst>
+      <p:tags r:id="rId1"/>
+    </p:custDataLst>
+  </p:cSld>
+  <p:clrMapOvr>
+    <a:masterClrMapping/>
+  </p:clrMapOvr>
+</p:sld>
+</file>
+
+<file path=ppt/slides/slide2.xml><?xml version="1.0" encoding="utf-8"?>
+<p:sld xmlns:a="http://schemas.openxmlformats.org/drawingml/2006/main" xmlns:r="http://schemas.openxmlformats.org/officeDocument/2006/relationships" xmlns:p="http://schemas.openxmlformats.org/presentationml/2006/main">
+  <p:cSld>
+    <p:spTree>
+      <p:nvGrpSpPr>
+        <p:cNvPr id="1" name=""/>
+        <p:cNvGrpSpPr/>
+        <p:nvPr/>
+      </p:nvGrpSpPr>
+      <p:grpSpPr/>
+      <p:sp>
+        <p:nvSpPr>
+          <p:cNvPr id="2" name="标题 1"/>
+          <p:cNvSpPr>
+            <a:spLocks noGrp="1"/>
+          </p:cNvSpPr>
+          <p:nvPr>
+            <p:ph type="title"/>
+          </p:nvPr>
+        </p:nvSpPr>
+        <p:spPr/>
+        <p:txBody>
+          <a:bodyPr>
+            <a:normAutofit fontScale="90000"/>
+          </a:bodyPr>
+          <a:p>
+            <a:r>
+              <a:rPr lang="en-US" altLang="zh-CN"/>
+              <a:t>1. </a:t>
+            </a:r>
+            <a:r>
+              <a:t>赛题分析</a:t>
+            </a:r>
+          </a:p>
+        </p:txBody>
+      </p:sp>
+      <p:sp>
+        <p:nvSpPr>
+          <p:cNvPr id="3" name="内容占位符 2"/>
+          <p:cNvSpPr>
+            <a:spLocks noGrp="1"/>
+          </p:cNvSpPr>
+          <p:nvPr>
+            <p:ph idx="1"/>
+          </p:nvPr>
+        </p:nvSpPr>
+        <p:spPr/>
+        <p:txBody>
+          <a:bodyPr/>
+          <a:p>
+            <a:r>
+              <a:rPr lang="zh-CN" altLang="en-US"/>
+              <a:t>年龄是用户人口属性的重要维度，本次比赛任务为根据用户的手机使用行为习惯来预估用户所处的年龄段。每个用户（以唯一ID标识）对应唯一的年龄段。</a:t>
+            </a:r>
+            <a:endParaRPr lang="zh-CN" altLang="en-US"/>
+          </a:p>
+          <a:p>
+            <a:r>
+              <a:rPr lang="zh-CN" altLang="en-US"/>
+              <a:t>年龄段有6种划分，分别代表不同年龄段，分别为：小于等于18岁， 19-23岁， 24-34岁， 35-44岁， 45-54岁，大于等于55岁。参赛同学根据华为提供数据构建预测模型进行年龄段预估，在测试数据集上给出预估结果。</a:t>
+            </a:r>
+            <a:r>
+              <a:rPr lang="en-US" altLang="zh-CN"/>
+              <a:t>(</a:t>
+            </a:r>
+            <a:r>
+              <a:t>结合给定的训练数据，输出测试集上对应用户的年龄段编号，为多分类任务</a:t>
+            </a:r>
+            <a:r>
+              <a:rPr lang="en-US" altLang="zh-CN"/>
+              <a:t>)</a:t>
+            </a:r>
+            <a:endParaRPr lang="en-US" altLang="zh-CN"/>
+          </a:p>
+          <a:p>
+            <a:endParaRPr lang="en-US" altLang="zh-CN"/>
+          </a:p>
+          <a:p>
+            <a:r>
+              <a:t>给定的训练数据表有：</a:t>
+            </a:r>
+            <a:r>
+              <a:rPr lang="en-US" altLang="zh-CN"/>
+              <a:t>age_train.csv -- </a:t>
+            </a:r>
+            <a:r>
+              <a:t>训练集用户编号及其对应的年龄段序号</a:t>
+            </a:r>
+          </a:p>
+          <a:p>
+            <a:pPr marL="0" indent="0">
+              <a:buNone/>
+            </a:pPr>
+            <a:r>
+              <a:rPr lang="en-US" altLang="zh-CN"/>
+              <a:t>		        user_basic_info.csv -- </a:t>
+            </a:r>
+            <a:r>
+              <a:t>所有用户的基本信息数据集，包含用户人口属性描述</a:t>
+            </a:r>
+          </a:p>
+          <a:p>
+            <a:pPr marL="0" indent="0">
+              <a:buNone/>
+            </a:pPr>
+            <a:r>
+              <a:rPr lang="en-US" altLang="zh-CN">
+                <a:sym typeface="+mn-ea"/>
+              </a:rPr>
+              <a:t>		        user_behavior_info.csv -- </a:t>
+            </a:r>
+            <a:r>
+              <a:rPr>
+                <a:sym typeface="+mn-ea"/>
+              </a:rPr>
+              <a:t>所有用户的设备的使用行为汇总数据</a:t>
+            </a:r>
+            <a:r>
+              <a:rPr lang="en-US" altLang="zh-CN">
+                <a:sym typeface="+mn-ea"/>
+              </a:rPr>
+              <a:t>(30</a:t>
+            </a:r>
+            <a:r>
+              <a:rPr>
+                <a:sym typeface="+mn-ea"/>
+              </a:rPr>
+              <a:t>天内</a:t>
+            </a:r>
+            <a:r>
+              <a:rPr lang="en-US" altLang="zh-CN">
+                <a:sym typeface="+mn-ea"/>
+              </a:rPr>
+              <a:t>)</a:t>
+            </a:r>
+            <a:endParaRPr lang="en-US" altLang="zh-CN">
+              <a:sym typeface="+mn-ea"/>
+            </a:endParaRPr>
+          </a:p>
+          <a:p>
+            <a:pPr marL="0" indent="0">
+              <a:buNone/>
+            </a:pPr>
+            <a:r>
+              <a:rPr lang="en-US" altLang="zh-CN">
+                <a:sym typeface="+mn-ea"/>
+              </a:rPr>
+              <a:t>		        user_app_actived.csv -- </a:t>
+            </a:r>
+            <a:r>
+              <a:rPr>
+                <a:sym typeface="+mn-ea"/>
+              </a:rPr>
+              <a:t>所有用户手机上激活的</a:t>
+            </a:r>
+            <a:r>
+              <a:rPr lang="en-US" altLang="zh-CN">
+                <a:sym typeface="+mn-ea"/>
+              </a:rPr>
+              <a:t>APP</a:t>
+            </a:r>
+            <a:r>
+              <a:rPr>
+                <a:sym typeface="+mn-ea"/>
+              </a:rPr>
+              <a:t>编号序列</a:t>
+            </a:r>
+            <a:r>
+              <a:rPr lang="en-US" altLang="zh-CN">
+                <a:sym typeface="+mn-ea"/>
+              </a:rPr>
+              <a:t>(</a:t>
+            </a:r>
+            <a:r>
+              <a:rPr>
+                <a:sym typeface="+mn-ea"/>
+              </a:rPr>
+              <a:t>强特征数据</a:t>
+            </a:r>
+            <a:r>
+              <a:rPr lang="en-US" altLang="zh-CN">
+                <a:sym typeface="+mn-ea"/>
+              </a:rPr>
+              <a:t>)</a:t>
+            </a:r>
+            <a:endParaRPr lang="en-US" altLang="zh-CN">
+              <a:sym typeface="+mn-ea"/>
+            </a:endParaRPr>
+          </a:p>
+          <a:p>
+            <a:pPr marL="0" indent="0">
+              <a:buNone/>
+            </a:pPr>
+            <a:r>
+              <a:rPr lang="en-US" altLang="zh-CN">
+                <a:sym typeface="+mn-ea"/>
+              </a:rPr>
+              <a:t>		        user_app_usage.csv -- </a:t>
+            </a:r>
+            <a:r>
+              <a:rPr>
+                <a:sym typeface="+mn-ea"/>
+              </a:rPr>
+              <a:t>用户30天内每天对单个app的打开次数和使用时长</a:t>
+            </a:r>
+            <a:endParaRPr>
+              <a:sym typeface="+mn-ea"/>
+            </a:endParaRPr>
+          </a:p>
+          <a:p>
+            <a:pPr marL="0" indent="0">
+              <a:buNone/>
+            </a:pPr>
+            <a:r>
+              <a:rPr lang="en-US" altLang="zh-CN">
+                <a:sym typeface="+mn-ea"/>
+              </a:rPr>
+              <a:t>		        app_info.csv -- 记录每个app所属的应用类型</a:t>
+            </a:r>
+            <a:endParaRPr lang="en-US" altLang="zh-CN">
+              <a:sym typeface="+mn-ea"/>
+            </a:endParaRPr>
+          </a:p>
+        </p:txBody>
+      </p:sp>
+    </p:spTree>
+    <p:custDataLst>
+      <p:tags r:id="rId1"/>
+    </p:custDataLst>
+  </p:cSld>
+  <p:clrMapOvr>
+    <a:masterClrMapping/>
+  </p:clrMapOvr>
+</p:sld>
+</file>
+
+<file path=ppt/slides/slide3.xml><?xml version="1.0" encoding="utf-8"?>
+<p:sld xmlns:a="http://schemas.openxmlformats.org/drawingml/2006/main" xmlns:r="http://schemas.openxmlformats.org/officeDocument/2006/relationships" xmlns:p="http://schemas.openxmlformats.org/presentationml/2006/main">
+  <p:cSld>
+    <p:spTree>
+      <p:nvGrpSpPr>
+        <p:cNvPr id="1" name=""/>
+        <p:cNvGrpSpPr/>
+        <p:nvPr/>
+      </p:nvGrpSpPr>
+      <p:grpSpPr/>
+      <p:sp>
+        <p:nvSpPr>
+          <p:cNvPr id="4" name="标题 3"/>
+          <p:cNvSpPr>
+            <a:spLocks noGrp="1"/>
+          </p:cNvSpPr>
+          <p:nvPr>
+            <p:ph type="title"/>
+          </p:nvPr>
+        </p:nvSpPr>
+        <p:spPr/>
+        <p:txBody>
+          <a:bodyPr/>
+          <a:p>
+            <a:r>
+              <a:rPr lang="zh-CN" altLang="en-US" sz="2200"/>
+              <a:t>赛题任务</a:t>
+            </a:r>
+            <a:endParaRPr lang="zh-CN" altLang="en-US" sz="2200"/>
+          </a:p>
+        </p:txBody>
+      </p:sp>
+      <p:sp>
+        <p:nvSpPr>
+          <p:cNvPr id="6" name="同侧圆角矩形 5"/>
+          <p:cNvSpPr/>
+          <p:nvPr/>
+        </p:nvSpPr>
+        <p:spPr>
+          <a:xfrm>
+            <a:off x="669925" y="2978785"/>
+            <a:ext cx="1620000" cy="900000"/>
+          </a:xfrm>
+          <a:prstGeom prst="round2SameRect">
+            <a:avLst/>
+          </a:prstGeom>
+          <a:solidFill>
+            <a:schemeClr val="accent2">
+              <a:lumMod val="75000"/>
+            </a:schemeClr>
+          </a:solidFill>
+        </p:spPr>
+        <p:style>
+          <a:lnRef idx="0">
+            <a:schemeClr val="accent2"/>
+          </a:lnRef>
+          <a:fillRef idx="3">
+            <a:schemeClr val="accent2"/>
+          </a:fillRef>
+          <a:effectRef idx="3">
+            <a:schemeClr val="accent2"/>
+          </a:effectRef>
+          <a:fontRef idx="minor">
+            <a:schemeClr val="lt1"/>
+          </a:fontRef>
+        </p:style>
+        <p:txBody>
+          <a:bodyPr rtlCol="0" anchor="ctr"/>
+          <a:p>
+            <a:pPr algn="ctr"/>
+            <a:r>
+              <a:rPr lang="en-US" altLang="zh-CN"/>
+              <a:t>Uid</a:t>
+            </a:r>
+            <a:endParaRPr lang="en-US" altLang="zh-CN"/>
+          </a:p>
+        </p:txBody>
+      </p:sp>
+      <p:sp>
+        <p:nvSpPr>
+          <p:cNvPr id="7" name="右箭头 6"/>
+          <p:cNvSpPr/>
+          <p:nvPr/>
+        </p:nvSpPr>
+        <p:spPr>
+          <a:xfrm>
+            <a:off x="2717165" y="3230880"/>
+            <a:ext cx="1538605" cy="397510"/>
+          </a:xfrm>
+          <a:prstGeom prst="rightArrow">
+            <a:avLst/>
+          </a:prstGeom>
+        </p:spPr>
+        <p:style>
+          <a:lnRef idx="2">
+            <a:schemeClr val="accent1">
+              <a:shade val="50000"/>
+            </a:schemeClr>
+          </a:lnRef>
+          <a:fillRef idx="1">
+            <a:schemeClr val="accent1"/>
+          </a:fillRef>
+          <a:effectRef idx="0">
+            <a:schemeClr val="accent1"/>
+          </a:effectRef>
+          <a:fontRef idx="minor">
+            <a:schemeClr val="lt1"/>
+          </a:fontRef>
+        </p:style>
+        <p:txBody>
+          <a:bodyPr rtlCol="0" anchor="ctr"/>
+          <a:p>
+            <a:pPr algn="ctr"/>
+            <a:endParaRPr lang="zh-CN" altLang="en-US"/>
+          </a:p>
+        </p:txBody>
+      </p:sp>
+      <p:sp>
+        <p:nvSpPr>
+          <p:cNvPr id="9" name="单圆角矩形 8"/>
+          <p:cNvSpPr/>
+          <p:nvPr/>
+        </p:nvSpPr>
+        <p:spPr>
+          <a:xfrm>
+            <a:off x="4624070" y="2978785"/>
+            <a:ext cx="1620000" cy="900000"/>
+          </a:xfrm>
+          <a:prstGeom prst="round1Rect">
+            <a:avLst/>
+          </a:prstGeom>
+          <a:solidFill>
+            <a:schemeClr val="accent3">
+              <a:lumMod val="75000"/>
+            </a:schemeClr>
+          </a:solidFill>
+        </p:spPr>
+        <p:style>
+          <a:lnRef idx="2">
+            <a:schemeClr val="accent1">
+              <a:shade val="50000"/>
+            </a:schemeClr>
+          </a:lnRef>
+          <a:fillRef idx="1">
+            <a:schemeClr val="accent1"/>
+          </a:fillRef>
+          <a:effectRef idx="0">
+            <a:schemeClr val="accent1"/>
+          </a:effectRef>
+          <a:fontRef idx="minor">
+            <a:schemeClr val="lt1"/>
+          </a:fontRef>
+        </p:style>
+        <p:txBody>
+          <a:bodyPr rtlCol="0" anchor="ctr"/>
+          <a:p>
+            <a:pPr algn="ctr"/>
+            <a:r>
+              <a:rPr lang="zh-CN" altLang="en-US"/>
+              <a:t>用户特征</a:t>
+            </a:r>
+            <a:endParaRPr lang="zh-CN" altLang="en-US"/>
+          </a:p>
+        </p:txBody>
+      </p:sp>
+      <p:sp>
+        <p:nvSpPr>
+          <p:cNvPr id="10" name="下箭头 9"/>
+          <p:cNvSpPr/>
+          <p:nvPr/>
+        </p:nvSpPr>
+        <p:spPr>
+          <a:xfrm rot="2820000">
+            <a:off x="5426075" y="1702435"/>
+            <a:ext cx="431800" cy="1243965"/>
+          </a:xfrm>
+          <a:prstGeom prst="downArrow">
+            <a:avLst/>
+          </a:prstGeom>
+        </p:spPr>
+        <p:style>
+          <a:lnRef idx="2">
+            <a:schemeClr val="accent1">
+              <a:shade val="50000"/>
+            </a:schemeClr>
+          </a:lnRef>
+          <a:fillRef idx="1">
+            <a:schemeClr val="accent1"/>
+          </a:fillRef>
+          <a:effectRef idx="0">
+            <a:schemeClr val="accent1"/>
+          </a:effectRef>
+          <a:fontRef idx="minor">
+            <a:schemeClr val="lt1"/>
+          </a:fontRef>
+        </p:style>
+        <p:txBody>
+          <a:bodyPr rtlCol="0" anchor="ctr"/>
+          <a:p>
+            <a:pPr algn="ctr"/>
+            <a:endParaRPr lang="zh-CN" altLang="en-US"/>
+          </a:p>
+        </p:txBody>
+      </p:sp>
+      <p:sp>
+        <p:nvSpPr>
+          <p:cNvPr id="11" name="下箭头 10"/>
+          <p:cNvSpPr/>
+          <p:nvPr/>
+        </p:nvSpPr>
+        <p:spPr>
+          <a:xfrm rot="8460000">
+            <a:off x="5469255" y="3949700"/>
+            <a:ext cx="431800" cy="1243965"/>
+          </a:xfrm>
+          <a:prstGeom prst="downArrow">
+            <a:avLst/>
+          </a:prstGeom>
+        </p:spPr>
+        <p:style>
+          <a:lnRef idx="2">
+            <a:schemeClr val="accent1">
+              <a:shade val="50000"/>
+            </a:schemeClr>
+          </a:lnRef>
+          <a:fillRef idx="1">
+            <a:schemeClr val="accent1"/>
+          </a:fillRef>
+          <a:effectRef idx="0">
+            <a:schemeClr val="accent1"/>
+          </a:effectRef>
+          <a:fontRef idx="minor">
+            <a:schemeClr val="lt1"/>
+          </a:fontRef>
+        </p:style>
+        <p:txBody>
+          <a:bodyPr rtlCol="0" anchor="ctr"/>
+          <a:p>
+            <a:pPr algn="ctr"/>
+            <a:endParaRPr lang="zh-CN" altLang="en-US"/>
+          </a:p>
+        </p:txBody>
+      </p:sp>
+      <p:sp>
+        <p:nvSpPr>
+          <p:cNvPr id="12" name="右箭头 11"/>
+          <p:cNvSpPr/>
+          <p:nvPr/>
+        </p:nvSpPr>
+        <p:spPr>
+          <a:xfrm>
+            <a:off x="6612890" y="3164840"/>
+            <a:ext cx="1848485" cy="544195"/>
+          </a:xfrm>
+          <a:prstGeom prst="rightArrow">
+            <a:avLst/>
+          </a:prstGeom>
+        </p:spPr>
+        <p:style>
+          <a:lnRef idx="2">
+            <a:schemeClr val="accent1">
+              <a:shade val="50000"/>
+            </a:schemeClr>
+          </a:lnRef>
+          <a:fillRef idx="1">
+            <a:schemeClr val="accent1"/>
+          </a:fillRef>
+          <a:effectRef idx="0">
+            <a:schemeClr val="accent1"/>
+          </a:effectRef>
+          <a:fontRef idx="minor">
+            <a:schemeClr val="lt1"/>
+          </a:fontRef>
+        </p:style>
+        <p:txBody>
+          <a:bodyPr rtlCol="0" anchor="ctr"/>
+          <a:p>
+            <a:pPr algn="ctr"/>
+            <a:endParaRPr lang="zh-CN" altLang="en-US"/>
+          </a:p>
+        </p:txBody>
+      </p:sp>
+      <p:sp>
+        <p:nvSpPr>
+          <p:cNvPr id="13" name="文本占位符 12"/>
+          <p:cNvSpPr>
+            <a:spLocks noGrp="1"/>
+          </p:cNvSpPr>
+          <p:nvPr>
+            <p:ph type="body" idx="1"/>
+          </p:nvPr>
+        </p:nvSpPr>
+        <p:spPr>
+          <a:xfrm>
+            <a:off x="6360795" y="2818130"/>
+            <a:ext cx="2352675" cy="346710"/>
+          </a:xfrm>
+        </p:spPr>
+        <p:txBody>
+          <a:bodyPr>
+            <a:normAutofit/>
+          </a:bodyPr>
+          <a:p>
+            <a:pPr marL="0" indent="0">
+              <a:buNone/>
+            </a:pPr>
+            <a:r>
+              <a:rPr lang="zh-CN" altLang="en-US"/>
+              <a:t>特征提取，模型训练</a:t>
+            </a:r>
+            <a:endParaRPr lang="zh-CN" altLang="en-US"/>
+          </a:p>
+        </p:txBody>
+      </p:sp>
+      <p:sp>
+        <p:nvSpPr>
+          <p:cNvPr id="14" name="单圆角矩形 13"/>
+          <p:cNvSpPr/>
+          <p:nvPr/>
+        </p:nvSpPr>
+        <p:spPr>
+          <a:xfrm>
+            <a:off x="8713470" y="2978785"/>
+            <a:ext cx="1938655" cy="899795"/>
+          </a:xfrm>
+          <a:prstGeom prst="round1Rect">
+            <a:avLst/>
+          </a:prstGeom>
+          <a:solidFill>
+            <a:schemeClr val="accent2">
+              <a:lumMod val="75000"/>
+            </a:schemeClr>
+          </a:solidFill>
+        </p:spPr>
+        <p:style>
+          <a:lnRef idx="2">
+            <a:schemeClr val="accent1">
+              <a:shade val="50000"/>
+            </a:schemeClr>
+          </a:lnRef>
+          <a:fillRef idx="1">
+            <a:schemeClr val="accent1"/>
+          </a:fillRef>
+          <a:effectRef idx="0">
+            <a:schemeClr val="accent1"/>
+          </a:effectRef>
+          <a:fontRef idx="minor">
+            <a:schemeClr val="lt1"/>
+          </a:fontRef>
+        </p:style>
+        <p:txBody>
+          <a:bodyPr rtlCol="0" anchor="ctr"/>
+          <a:p>
+            <a:pPr algn="ctr"/>
+            <a:r>
+              <a:rPr lang="zh-CN" altLang="en-US"/>
+              <a:t>用户年龄段编号</a:t>
+            </a:r>
+            <a:endParaRPr lang="zh-CN" altLang="en-US"/>
+          </a:p>
+        </p:txBody>
+      </p:sp>
+      <p:sp>
+        <p:nvSpPr>
+          <p:cNvPr id="15" name="椭圆 14"/>
+          <p:cNvSpPr/>
+          <p:nvPr/>
+        </p:nvSpPr>
+        <p:spPr>
+          <a:xfrm>
+            <a:off x="6181725" y="975360"/>
+            <a:ext cx="1156970" cy="1157605"/>
+          </a:xfrm>
+          <a:prstGeom prst="ellipse">
+            <a:avLst/>
+          </a:prstGeom>
+          <a:solidFill>
+            <a:schemeClr val="accent1">
+              <a:lumMod val="60000"/>
+              <a:lumOff val="40000"/>
+            </a:schemeClr>
+          </a:solidFill>
+        </p:spPr>
+        <p:style>
+          <a:lnRef idx="2">
+            <a:schemeClr val="accent1">
+              <a:shade val="50000"/>
+            </a:schemeClr>
+          </a:lnRef>
+          <a:fillRef idx="1">
+            <a:schemeClr val="accent1"/>
+          </a:fillRef>
+          <a:effectRef idx="0">
+            <a:schemeClr val="accent1"/>
+          </a:effectRef>
+          <a:fontRef idx="minor">
+            <a:schemeClr val="lt1"/>
+          </a:fontRef>
+        </p:style>
+        <p:txBody>
+          <a:bodyPr rtlCol="0" anchor="ctr"/>
+          <a:p>
+            <a:pPr algn="ctr"/>
+            <a:r>
+              <a:rPr lang="zh-CN" altLang="en-US"/>
+              <a:t>行为特征</a:t>
+            </a:r>
+            <a:endParaRPr lang="zh-CN" altLang="en-US"/>
+          </a:p>
+        </p:txBody>
+      </p:sp>
+      <p:sp>
+        <p:nvSpPr>
+          <p:cNvPr id="16" name="椭圆 15"/>
+          <p:cNvSpPr/>
+          <p:nvPr/>
+        </p:nvSpPr>
+        <p:spPr>
+          <a:xfrm>
+            <a:off x="6181725" y="4824730"/>
+            <a:ext cx="1156970" cy="1157605"/>
+          </a:xfrm>
+          <a:prstGeom prst="ellipse">
+            <a:avLst/>
+          </a:prstGeom>
+          <a:solidFill>
+            <a:schemeClr val="accent1">
+              <a:lumMod val="60000"/>
+              <a:lumOff val="40000"/>
+            </a:schemeClr>
+          </a:solidFill>
+        </p:spPr>
+        <p:style>
+          <a:lnRef idx="2">
+            <a:schemeClr val="accent1">
+              <a:shade val="50000"/>
+            </a:schemeClr>
+          </a:lnRef>
+          <a:fillRef idx="1">
+            <a:schemeClr val="accent1"/>
+          </a:fillRef>
+          <a:effectRef idx="0">
+            <a:schemeClr val="accent1"/>
+          </a:effectRef>
+          <a:fontRef idx="minor">
+            <a:schemeClr val="lt1"/>
+          </a:fontRef>
+        </p:style>
+        <p:txBody>
+          <a:bodyPr rtlCol="0" anchor="ctr"/>
+          <a:p>
+            <a:pPr algn="ctr"/>
+            <a:r>
+              <a:rPr lang="zh-CN" altLang="en-US"/>
+              <a:t>属性特征</a:t>
+            </a:r>
+            <a:endParaRPr lang="zh-CN" altLang="en-US"/>
+          </a:p>
+        </p:txBody>
+      </p:sp>
+      <p:cxnSp>
+        <p:nvCxnSpPr>
+          <p:cNvPr id="17" name="直接连接符 16"/>
+          <p:cNvCxnSpPr>
+            <a:stCxn id="15" idx="7"/>
+          </p:cNvCxnSpPr>
+          <p:nvPr/>
+        </p:nvCxnSpPr>
+        <p:spPr>
+          <a:xfrm flipV="1">
+            <a:off x="7169150" y="785495"/>
+            <a:ext cx="981710" cy="359410"/>
+          </a:xfrm>
+          <a:prstGeom prst="line">
+            <a:avLst/>
+          </a:prstGeom>
+        </p:spPr>
+        <p:style>
+          <a:lnRef idx="1">
+            <a:schemeClr val="accent1"/>
+          </a:lnRef>
+          <a:fillRef idx="0">
+            <a:schemeClr val="accent1"/>
+          </a:fillRef>
+          <a:effectRef idx="0">
+            <a:schemeClr val="accent1"/>
+          </a:effectRef>
+          <a:fontRef idx="minor">
+            <a:schemeClr val="tx1"/>
+          </a:fontRef>
+        </p:style>
+      </p:cxnSp>
+      <p:cxnSp>
+        <p:nvCxnSpPr>
+          <p:cNvPr id="18" name="直接连接符 17"/>
+          <p:cNvCxnSpPr>
+            <a:stCxn id="15" idx="6"/>
+          </p:cNvCxnSpPr>
+          <p:nvPr/>
+        </p:nvCxnSpPr>
+        <p:spPr>
+          <a:xfrm>
+            <a:off x="7338695" y="1554480"/>
+            <a:ext cx="967740" cy="8255"/>
+          </a:xfrm>
+          <a:prstGeom prst="line">
+            <a:avLst/>
+          </a:prstGeom>
+        </p:spPr>
+        <p:style>
+          <a:lnRef idx="1">
+            <a:schemeClr val="accent1"/>
+          </a:lnRef>
+          <a:fillRef idx="0">
+            <a:schemeClr val="accent1"/>
+          </a:fillRef>
+          <a:effectRef idx="0">
+            <a:schemeClr val="accent1"/>
+          </a:effectRef>
+          <a:fontRef idx="minor">
+            <a:schemeClr val="tx1"/>
+          </a:fontRef>
+        </p:style>
+      </p:cxnSp>
+      <p:cxnSp>
+        <p:nvCxnSpPr>
+          <p:cNvPr id="19" name="直接连接符 18"/>
+          <p:cNvCxnSpPr>
+            <a:stCxn id="15" idx="5"/>
+          </p:cNvCxnSpPr>
+          <p:nvPr/>
+        </p:nvCxnSpPr>
+        <p:spPr>
+          <a:xfrm>
+            <a:off x="7169150" y="1963420"/>
+            <a:ext cx="1033780" cy="342265"/>
+          </a:xfrm>
+          <a:prstGeom prst="line">
+            <a:avLst/>
+          </a:prstGeom>
+        </p:spPr>
+        <p:style>
+          <a:lnRef idx="1">
+            <a:schemeClr val="accent1"/>
+          </a:lnRef>
+          <a:fillRef idx="0">
+            <a:schemeClr val="accent1"/>
+          </a:fillRef>
+          <a:effectRef idx="0">
+            <a:schemeClr val="accent1"/>
+          </a:effectRef>
+          <a:fontRef idx="minor">
+            <a:schemeClr val="tx1"/>
+          </a:fontRef>
+        </p:style>
+      </p:cxnSp>
+      <p:sp>
+        <p:nvSpPr>
+          <p:cNvPr id="20" name="圆角矩形 19"/>
+          <p:cNvSpPr/>
+          <p:nvPr/>
+        </p:nvSpPr>
+        <p:spPr>
+          <a:xfrm>
+            <a:off x="8306435" y="491490"/>
+            <a:ext cx="2839720" cy="483870"/>
+          </a:xfrm>
+          <a:prstGeom prst="roundRect">
+            <a:avLst/>
+          </a:prstGeom>
+        </p:spPr>
+        <p:style>
+          <a:lnRef idx="2">
+            <a:schemeClr val="accent1">
+              <a:shade val="50000"/>
+            </a:schemeClr>
+          </a:lnRef>
+          <a:fillRef idx="1">
+            <a:schemeClr val="accent1"/>
+          </a:fillRef>
+          <a:effectRef idx="0">
+            <a:schemeClr val="accent1"/>
+          </a:effectRef>
+          <a:fontRef idx="minor">
+            <a:schemeClr val="lt1"/>
+          </a:fontRef>
+        </p:style>
+        <p:txBody>
+          <a:bodyPr rtlCol="0" anchor="ctr"/>
+          <a:p>
+            <a:pPr algn="ctr"/>
+            <a:r>
+              <a:rPr lang="zh-CN" altLang="en-US" sz="1400"/>
+              <a:t>手机上安装的</a:t>
+            </a:r>
+            <a:r>
+              <a:rPr lang="en-US" altLang="zh-CN" sz="1400"/>
+              <a:t>APP</a:t>
+            </a:r>
+            <a:r>
+              <a:rPr lang="zh-CN" altLang="en-US" sz="1400"/>
+              <a:t>编号序列</a:t>
+            </a:r>
+            <a:endParaRPr lang="zh-CN" altLang="en-US" sz="1400"/>
+          </a:p>
+        </p:txBody>
+      </p:sp>
+      <p:sp>
+        <p:nvSpPr>
+          <p:cNvPr id="21" name="圆角矩形 20"/>
+          <p:cNvSpPr/>
+          <p:nvPr/>
+        </p:nvSpPr>
+        <p:spPr>
+          <a:xfrm>
+            <a:off x="8348980" y="1311910"/>
+            <a:ext cx="2797810" cy="483870"/>
+          </a:xfrm>
+          <a:prstGeom prst="roundRect">
+            <a:avLst/>
+          </a:prstGeom>
+        </p:spPr>
+        <p:style>
+          <a:lnRef idx="2">
+            <a:schemeClr val="accent1">
+              <a:shade val="50000"/>
+            </a:schemeClr>
+          </a:lnRef>
+          <a:fillRef idx="1">
+            <a:schemeClr val="accent1"/>
+          </a:fillRef>
+          <a:effectRef idx="0">
+            <a:schemeClr val="accent1"/>
+          </a:effectRef>
+          <a:fontRef idx="minor">
+            <a:schemeClr val="lt1"/>
+          </a:fontRef>
+        </p:style>
+        <p:txBody>
+          <a:bodyPr rtlCol="0" anchor="ctr"/>
+          <a:p>
+            <a:pPr algn="ctr"/>
+            <a:r>
+              <a:rPr lang="en-US" sz="1400"/>
+              <a:t>30</a:t>
+            </a:r>
+            <a:r>
+              <a:rPr lang="zh-CN" altLang="en-US" sz="1400"/>
+              <a:t>天内对手机特性使用情况</a:t>
+            </a:r>
+            <a:endParaRPr lang="zh-CN" altLang="en-US" sz="1400"/>
+          </a:p>
+        </p:txBody>
+      </p:sp>
+      <p:sp>
+        <p:nvSpPr>
+          <p:cNvPr id="22" name="圆角矩形 21"/>
+          <p:cNvSpPr/>
+          <p:nvPr/>
+        </p:nvSpPr>
+        <p:spPr>
+          <a:xfrm>
+            <a:off x="8348980" y="2132965"/>
+            <a:ext cx="2797810" cy="483870"/>
+          </a:xfrm>
+          <a:prstGeom prst="roundRect">
+            <a:avLst/>
+          </a:prstGeom>
+        </p:spPr>
+        <p:style>
+          <a:lnRef idx="2">
+            <a:schemeClr val="accent1">
+              <a:shade val="50000"/>
+            </a:schemeClr>
+          </a:lnRef>
+          <a:fillRef idx="1">
+            <a:schemeClr val="accent1"/>
+          </a:fillRef>
+          <a:effectRef idx="0">
+            <a:schemeClr val="accent1"/>
+          </a:effectRef>
+          <a:fontRef idx="minor">
+            <a:schemeClr val="lt1"/>
+          </a:fontRef>
+        </p:style>
+        <p:txBody>
+          <a:bodyPr rtlCol="0" anchor="ctr"/>
+          <a:p>
+            <a:pPr algn="ctr"/>
+            <a:r>
+              <a:rPr lang="en-US" sz="1400"/>
+              <a:t>30</a:t>
+            </a:r>
+            <a:r>
+              <a:rPr lang="zh-CN" altLang="en-US" sz="1400"/>
+              <a:t>天每天对某个</a:t>
+            </a:r>
+            <a:r>
+              <a:rPr lang="en-US" altLang="zh-CN" sz="1400"/>
+              <a:t>APP</a:t>
+            </a:r>
+            <a:r>
+              <a:rPr lang="zh-CN" altLang="en-US" sz="1400"/>
+              <a:t>的使用情况</a:t>
+            </a:r>
+            <a:endParaRPr lang="zh-CN" altLang="en-US" sz="1400"/>
+          </a:p>
+        </p:txBody>
+      </p:sp>
+      <p:cxnSp>
+        <p:nvCxnSpPr>
+          <p:cNvPr id="23" name="直接连接符 22"/>
+          <p:cNvCxnSpPr>
+            <a:stCxn id="16" idx="6"/>
+          </p:cNvCxnSpPr>
+          <p:nvPr/>
+        </p:nvCxnSpPr>
+        <p:spPr>
+          <a:xfrm flipV="1">
+            <a:off x="7338695" y="5397500"/>
+            <a:ext cx="984885" cy="6350"/>
+          </a:xfrm>
+          <a:prstGeom prst="line">
+            <a:avLst/>
+          </a:prstGeom>
+        </p:spPr>
+        <p:style>
+          <a:lnRef idx="1">
+            <a:schemeClr val="accent1"/>
+          </a:lnRef>
+          <a:fillRef idx="0">
+            <a:schemeClr val="accent1"/>
+          </a:fillRef>
+          <a:effectRef idx="0">
+            <a:schemeClr val="accent1"/>
+          </a:effectRef>
+          <a:fontRef idx="minor">
+            <a:schemeClr val="tx1"/>
+          </a:fontRef>
+        </p:style>
+      </p:cxnSp>
+      <p:sp>
+        <p:nvSpPr>
+          <p:cNvPr id="24" name="圆角矩形 23"/>
+          <p:cNvSpPr/>
+          <p:nvPr/>
+        </p:nvSpPr>
+        <p:spPr>
+          <a:xfrm>
+            <a:off x="8348980" y="5101590"/>
+            <a:ext cx="2839720" cy="603885"/>
+          </a:xfrm>
+          <a:prstGeom prst="roundRect">
+            <a:avLst/>
+          </a:prstGeom>
+        </p:spPr>
+        <p:style>
+          <a:lnRef idx="2">
+            <a:schemeClr val="accent1">
+              <a:shade val="50000"/>
+            </a:schemeClr>
+          </a:lnRef>
+          <a:fillRef idx="1">
+            <a:schemeClr val="accent1"/>
+          </a:fillRef>
+          <a:effectRef idx="0">
+            <a:schemeClr val="accent1"/>
+          </a:effectRef>
+          <a:fontRef idx="minor">
+            <a:schemeClr val="lt1"/>
+          </a:fontRef>
+        </p:style>
+        <p:txBody>
+          <a:bodyPr rtlCol="0" anchor="ctr"/>
+          <a:p>
+            <a:pPr algn="ctr"/>
+            <a:r>
+              <a:rPr lang="zh-CN" sz="1400"/>
+              <a:t>用户自身人口属性，手机基本信息</a:t>
+            </a:r>
+            <a:endParaRPr lang="zh-CN" sz="1400"/>
+          </a:p>
+        </p:txBody>
+      </p:sp>
+      <p:sp>
+        <p:nvSpPr>
+          <p:cNvPr id="25" name="文本占位符 12"/>
           <p:cNvSpPr>
             <a:spLocks noGrp="1"/>
           </p:cNvSpPr>
@@ -12006,8 +12430,8 @@
         </p:nvSpPr>
         <p:spPr>
           <a:xfrm>
-            <a:off x="11146155" y="2150745"/>
-            <a:ext cx="998855" cy="755650"/>
+            <a:off x="11146790" y="335280"/>
+            <a:ext cx="861060" cy="346710"/>
           </a:xfrm>
           <a:prstGeom prst="rect">
             <a:avLst/>
@@ -12225,25 +12649,15 @@
             </a:pPr>
             <a:r>
               <a:rPr lang="en-US" altLang="zh-CN" sz="1200"/>
-              <a:t>duration</a:t>
+              <a:t>appid</a:t>
             </a:r>
             <a:endParaRPr lang="en-US" altLang="zh-CN" sz="1200"/>
           </a:p>
-          <a:p>
-            <a:pPr marL="0" indent="0">
-              <a:buNone/>
-            </a:pPr>
-            <a:r>
-              <a:rPr lang="en-US" altLang="zh-CN" sz="1200"/>
-              <a:t>time</a:t>
-            </a:r>
-            <a:endParaRPr lang="en-US" altLang="zh-CN" sz="1200"/>
-          </a:p>
-        </p:txBody>
-      </p:sp>
-      <p:sp>
-        <p:nvSpPr>
-          <p:cNvPr id="28" name="文本占位符 12"/>
+        </p:txBody>
+      </p:sp>
+      <p:sp>
+        <p:nvSpPr>
+          <p:cNvPr id="26" name="文本占位符 12"/>
           <p:cNvSpPr>
             <a:spLocks noGrp="1"/>
           </p:cNvSpPr>
@@ -12251,8 +12665,8 @@
         </p:nvSpPr>
         <p:spPr>
           <a:xfrm>
-            <a:off x="11215370" y="4971415"/>
-            <a:ext cx="861060" cy="1365250"/>
+            <a:off x="11146155" y="1057275"/>
+            <a:ext cx="1310005" cy="1002665"/>
           </a:xfrm>
           <a:prstGeom prst="rect">
             <a:avLst/>
@@ -12470,7 +12884,7 @@
             </a:pPr>
             <a:r>
               <a:rPr lang="en-US" altLang="zh-CN" sz="1200"/>
-              <a:t>gender</a:t>
+              <a:t>bootTimes</a:t>
             </a:r>
             <a:endParaRPr lang="en-US" altLang="zh-CN" sz="1200"/>
           </a:p>
@@ -12480,7 +12894,7 @@
             </a:pPr>
             <a:r>
               <a:rPr lang="en-US" altLang="zh-CN" sz="1200"/>
-              <a:t>city</a:t>
+              <a:t>FuncTime</a:t>
             </a:r>
             <a:endParaRPr lang="en-US" altLang="zh-CN" sz="1200"/>
           </a:p>
@@ -12490,330 +12904,15 @@
             </a:pPr>
             <a:r>
               <a:rPr lang="en-US" altLang="zh-CN" sz="1200"/>
-              <a:t>os</a:t>
+              <a:t>...</a:t>
             </a:r>
             <a:endParaRPr lang="en-US" altLang="zh-CN" sz="1200"/>
           </a:p>
-          <a:p>
-            <a:pPr marL="0" indent="0">
-              <a:buNone/>
-            </a:pPr>
-            <a:r>
-              <a:rPr lang="en-US" altLang="zh-CN" sz="1200"/>
-              <a:t>....</a:t>
-            </a:r>
-            <a:endParaRPr lang="en-US" altLang="zh-CN" sz="1200"/>
-          </a:p>
-        </p:txBody>
-      </p:sp>
-    </p:spTree>
-    <p:custDataLst>
-      <p:tags r:id="rId1"/>
-    </p:custDataLst>
-  </p:cSld>
-  <p:clrMapOvr>
-    <a:masterClrMapping/>
-  </p:clrMapOvr>
-</p:sld>
-</file>
-
-<file path=ppt/slides/slide4.xml><?xml version="1.0" encoding="utf-8"?>
-<p:sld xmlns:a="http://schemas.openxmlformats.org/drawingml/2006/main" xmlns:r="http://schemas.openxmlformats.org/officeDocument/2006/relationships" xmlns:p="http://schemas.openxmlformats.org/presentationml/2006/main">
-  <p:cSld>
-    <p:spTree>
-      <p:nvGrpSpPr>
-        <p:cNvPr id="1" name=""/>
-        <p:cNvGrpSpPr/>
-        <p:nvPr/>
-      </p:nvGrpSpPr>
-      <p:grpSpPr/>
-      <p:sp>
-        <p:nvSpPr>
-          <p:cNvPr id="12" name="标题 11"/>
-          <p:cNvSpPr>
-            <a:spLocks noGrp="1"/>
-          </p:cNvSpPr>
-          <p:nvPr>
-            <p:ph type="title"/>
-          </p:nvPr>
-        </p:nvSpPr>
-        <p:spPr>
-          <a:xfrm>
-            <a:off x="455295" y="427355"/>
-            <a:ext cx="5419090" cy="541655"/>
-          </a:xfrm>
-        </p:spPr>
-        <p:txBody>
-          <a:bodyPr>
-            <a:normAutofit/>
-          </a:bodyPr>
-          <a:p>
-            <a:r>
-              <a:rPr lang="en-US" altLang="zh-CN" sz="2200"/>
-              <a:t>2.</a:t>
-            </a:r>
-            <a:r>
-              <a:rPr lang="zh-CN" altLang="en-US" sz="2200"/>
-              <a:t>数据探索和预处理</a:t>
-            </a:r>
-            <a:endParaRPr lang="zh-CN" altLang="en-US" sz="2200"/>
-          </a:p>
-        </p:txBody>
-      </p:sp>
-      <p:sp>
-        <p:nvSpPr>
-          <p:cNvPr id="13" name="文本占位符 12"/>
-          <p:cNvSpPr>
-            <a:spLocks noGrp="1"/>
-          </p:cNvSpPr>
-          <p:nvPr>
-            <p:ph type="body" idx="1"/>
-          </p:nvPr>
-        </p:nvSpPr>
-        <p:spPr>
-          <a:xfrm>
-            <a:off x="455295" y="1322705"/>
-            <a:ext cx="3959225" cy="3769995"/>
-          </a:xfrm>
-        </p:spPr>
-        <p:txBody>
-          <a:bodyPr>
-            <a:normAutofit lnSpcReduction="20000"/>
-          </a:bodyPr>
-          <a:p>
-            <a:pPr>
-              <a:lnSpc>
-                <a:spcPct val="150000"/>
-              </a:lnSpc>
-            </a:pPr>
-            <a:r>
-              <a:rPr lang="en-US" altLang="zh-CN" sz="1600"/>
-              <a:t>(1) </a:t>
-            </a:r>
-            <a:r>
-              <a:rPr lang="zh-CN" altLang="en-US" sz="1600"/>
-              <a:t>用户人口属性表存在缺失值</a:t>
-            </a:r>
-            <a:endParaRPr lang="zh-CN" altLang="en-US" sz="1600"/>
-          </a:p>
-          <a:p>
-            <a:pPr>
-              <a:lnSpc>
-                <a:spcPct val="150000"/>
-              </a:lnSpc>
-            </a:pPr>
-            <a:r>
-              <a:rPr lang="zh-CN" altLang="en-US" sz="1600"/>
-              <a:t>解决方法：对于字符串型字段缺失值，直接使用空字符串进行缺失值填充；对于数字型字段缺失值，直接使用字段平均值进行填充</a:t>
-            </a:r>
-            <a:endParaRPr lang="zh-CN" altLang="en-US" sz="1600"/>
-          </a:p>
-          <a:p>
-            <a:pPr>
-              <a:lnSpc>
-                <a:spcPct val="150000"/>
-              </a:lnSpc>
-            </a:pPr>
-            <a:endParaRPr lang="zh-CN" altLang="en-US" sz="1600"/>
-          </a:p>
-          <a:p>
-            <a:pPr>
-              <a:lnSpc>
-                <a:spcPct val="150000"/>
-              </a:lnSpc>
-            </a:pPr>
-            <a:r>
-              <a:rPr lang="zh-CN" altLang="en-US" sz="1600"/>
-              <a:t>优点：处理速度快</a:t>
-            </a:r>
-            <a:endParaRPr lang="zh-CN" altLang="en-US" sz="1600"/>
-          </a:p>
-          <a:p>
-            <a:pPr>
-              <a:lnSpc>
-                <a:spcPct val="150000"/>
-              </a:lnSpc>
-            </a:pPr>
-            <a:r>
-              <a:rPr lang="zh-CN" altLang="en-US" sz="1600"/>
-              <a:t>缺点：缺失值填充效果差，是最基础的做法</a:t>
-            </a:r>
-            <a:endParaRPr lang="zh-CN" altLang="en-US" sz="1600"/>
-          </a:p>
-          <a:p>
-            <a:endParaRPr lang="en-US" altLang="zh-CN" sz="1600"/>
-          </a:p>
-        </p:txBody>
-      </p:sp>
-      <p:pic>
-        <p:nvPicPr>
-          <p:cNvPr id="2" name="图片 1" descr="scores_par"/>
-          <p:cNvPicPr>
-            <a:picLocks noChangeAspect="1"/>
-          </p:cNvPicPr>
-          <p:nvPr/>
-        </p:nvPicPr>
-        <p:blipFill>
-          <a:blip r:embed="rId1"/>
-          <a:stretch>
-            <a:fillRect/>
-          </a:stretch>
-        </p:blipFill>
-        <p:spPr>
-          <a:xfrm>
-            <a:off x="5718810" y="969010"/>
-            <a:ext cx="5099050" cy="3785870"/>
-          </a:xfrm>
-          <a:prstGeom prst="rect">
-            <a:avLst/>
-          </a:prstGeom>
-        </p:spPr>
-      </p:pic>
-    </p:spTree>
-    <p:custDataLst>
-      <p:tags r:id="rId2"/>
-    </p:custDataLst>
-  </p:cSld>
-  <p:clrMapOvr>
-    <a:masterClrMapping/>
-  </p:clrMapOvr>
-</p:sld>
-</file>
-
-<file path=ppt/slides/slide5.xml><?xml version="1.0" encoding="utf-8"?>
-<p:sld xmlns:a="http://schemas.openxmlformats.org/drawingml/2006/main" xmlns:r="http://schemas.openxmlformats.org/officeDocument/2006/relationships" xmlns:p="http://schemas.openxmlformats.org/presentationml/2006/main">
-  <p:cSld>
-    <p:spTree>
-      <p:nvGrpSpPr>
-        <p:cNvPr id="1" name=""/>
-        <p:cNvGrpSpPr/>
-        <p:nvPr/>
-      </p:nvGrpSpPr>
-      <p:grpSpPr/>
-      <p:sp>
-        <p:nvSpPr>
-          <p:cNvPr id="13" name="文本占位符 12"/>
-          <p:cNvSpPr>
-            <a:spLocks noGrp="1"/>
-          </p:cNvSpPr>
-          <p:nvPr>
-            <p:ph type="body" idx="1"/>
-          </p:nvPr>
-        </p:nvSpPr>
-        <p:spPr>
-          <a:xfrm>
-            <a:off x="222250" y="1106805"/>
-            <a:ext cx="4433570" cy="3769995"/>
-          </a:xfrm>
-        </p:spPr>
-        <p:txBody>
-          <a:bodyPr>
-            <a:normAutofit lnSpcReduction="20000"/>
-          </a:bodyPr>
-          <a:p>
-            <a:pPr>
-              <a:lnSpc>
-                <a:spcPct val="150000"/>
-              </a:lnSpc>
-            </a:pPr>
-            <a:r>
-              <a:rPr lang="en-US" altLang="zh-CN" sz="1600"/>
-              <a:t>(2) </a:t>
-            </a:r>
-            <a:r>
-              <a:rPr lang="zh-CN" altLang="en-US" sz="1600"/>
-              <a:t>用户行为数据表存在较大的量级差距</a:t>
-            </a:r>
-            <a:endParaRPr lang="zh-CN" altLang="en-US" sz="1600"/>
-          </a:p>
-          <a:p>
-            <a:pPr>
-              <a:lnSpc>
-                <a:spcPct val="150000"/>
-              </a:lnSpc>
-            </a:pPr>
-            <a:r>
-              <a:rPr lang="zh-CN" altLang="en-US" sz="1600"/>
-              <a:t>解决方法：</a:t>
-            </a:r>
-            <a:r>
-              <a:rPr lang="zh-CN" sz="1600"/>
-              <a:t>使用</a:t>
-            </a:r>
-            <a:r>
-              <a:rPr lang="en-US" altLang="zh-CN" sz="1600"/>
-              <a:t>MinMaxScaler</a:t>
-            </a:r>
-            <a:r>
-              <a:rPr lang="zh-CN" altLang="en-US" sz="1600"/>
-              <a:t>进行行为特征数据的预处理，使其量级保持在相同的范围内</a:t>
-            </a:r>
-            <a:endParaRPr lang="zh-CN" altLang="en-US" sz="1600"/>
-          </a:p>
-          <a:p>
-            <a:pPr>
-              <a:lnSpc>
-                <a:spcPct val="150000"/>
-              </a:lnSpc>
-            </a:pPr>
-            <a:endParaRPr lang="zh-CN" altLang="en-US" sz="1600"/>
-          </a:p>
-          <a:p>
-            <a:pPr>
-              <a:lnSpc>
-                <a:spcPct val="150000"/>
-              </a:lnSpc>
-            </a:pPr>
-            <a:r>
-              <a:rPr lang="zh-CN" altLang="en-US" sz="1600"/>
-              <a:t>优点：防止之后进行模型训练时，高量级的特征数据对最终的分类结果产生较大影响</a:t>
-            </a:r>
-            <a:endParaRPr lang="zh-CN" altLang="en-US" sz="1600"/>
-          </a:p>
-          <a:p>
-            <a:pPr>
-              <a:lnSpc>
-                <a:spcPct val="150000"/>
-              </a:lnSpc>
-            </a:pPr>
-            <a:r>
-              <a:rPr lang="zh-CN" altLang="en-US" sz="1600"/>
-              <a:t>缺点：处理效果不明显</a:t>
-            </a:r>
-            <a:endParaRPr lang="zh-CN" altLang="en-US" sz="1600"/>
-          </a:p>
-          <a:p>
-            <a:endParaRPr lang="en-US" altLang="zh-CN" sz="1600"/>
-          </a:p>
-        </p:txBody>
-      </p:sp>
-      <p:pic>
-        <p:nvPicPr>
-          <p:cNvPr id="2" name="图片 1" descr="scores_par_1"/>
-          <p:cNvPicPr>
-            <a:picLocks noChangeAspect="1"/>
-          </p:cNvPicPr>
-          <p:nvPr/>
-        </p:nvPicPr>
-        <p:blipFill>
-          <a:blip r:embed="rId1"/>
-          <a:stretch>
-            <a:fillRect/>
-          </a:stretch>
-        </p:blipFill>
-        <p:spPr>
-          <a:xfrm>
-            <a:off x="5965825" y="1106805"/>
-            <a:ext cx="4855210" cy="3163570"/>
-          </a:xfrm>
-          <a:prstGeom prst="rect">
-            <a:avLst/>
-          </a:prstGeom>
-        </p:spPr>
-      </p:pic>
-      <p:sp>
-        <p:nvSpPr>
-          <p:cNvPr id="25" name="文本占位符 12"/>
+        </p:txBody>
+      </p:sp>
+      <p:sp>
+        <p:nvSpPr>
+          <p:cNvPr id="27" name="文本占位符 12"/>
           <p:cNvSpPr>
             <a:spLocks noGrp="1"/>
           </p:cNvSpPr>
@@ -12821,8 +12920,8 @@
         </p:nvSpPr>
         <p:spPr>
           <a:xfrm>
-            <a:off x="6496685" y="4368165"/>
-            <a:ext cx="4324350" cy="735330"/>
+            <a:off x="11146155" y="2150745"/>
+            <a:ext cx="998855" cy="755650"/>
           </a:xfrm>
           <a:prstGeom prst="rect">
             <a:avLst/>
@@ -13039,6 +13138,821 @@
               <a:buNone/>
             </a:pPr>
             <a:r>
+              <a:rPr lang="en-US" altLang="zh-CN" sz="1200"/>
+              <a:t>duration</a:t>
+            </a:r>
+            <a:endParaRPr lang="en-US" altLang="zh-CN" sz="1200"/>
+          </a:p>
+          <a:p>
+            <a:pPr marL="0" indent="0">
+              <a:buNone/>
+            </a:pPr>
+            <a:r>
+              <a:rPr lang="en-US" altLang="zh-CN" sz="1200"/>
+              <a:t>time</a:t>
+            </a:r>
+            <a:endParaRPr lang="en-US" altLang="zh-CN" sz="1200"/>
+          </a:p>
+        </p:txBody>
+      </p:sp>
+      <p:sp>
+        <p:nvSpPr>
+          <p:cNvPr id="28" name="文本占位符 12"/>
+          <p:cNvSpPr>
+            <a:spLocks noGrp="1"/>
+          </p:cNvSpPr>
+          <p:nvPr/>
+        </p:nvSpPr>
+        <p:spPr>
+          <a:xfrm>
+            <a:off x="11215370" y="4971415"/>
+            <a:ext cx="861060" cy="1365250"/>
+          </a:xfrm>
+          <a:prstGeom prst="rect">
+            <a:avLst/>
+          </a:prstGeom>
+        </p:spPr>
+        <p:txBody>
+          <a:bodyPr vert="horz" lIns="101600" tIns="0" rIns="82550" bIns="0" rtlCol="0">
+            <a:normAutofit/>
+          </a:bodyPr>
+          <a:lstStyle>
+            <a:lvl1pPr marL="228600" indent="-228600" algn="l" defTabSz="914400" rtl="0" eaLnBrk="1" fontAlgn="auto" latinLnBrk="0" hangingPunct="1">
+              <a:lnSpc>
+                <a:spcPct val="130000"/>
+              </a:lnSpc>
+              <a:spcBef>
+                <a:spcPts val="0"/>
+              </a:spcBef>
+              <a:spcAft>
+                <a:spcPts val="1000"/>
+              </a:spcAft>
+              <a:buFont typeface="Arial" panose="020B0604020202020204" pitchFamily="34" charset="0"/>
+              <a:buChar char="•"/>
+              <a:defRPr sz="1600" u="none" strike="noStrike" kern="1200" cap="none" spc="150" normalizeH="0" baseline="0">
+                <a:solidFill>
+                  <a:schemeClr val="tx1">
+                    <a:lumMod val="85000"/>
+                    <a:lumOff val="15000"/>
+                  </a:schemeClr>
+                </a:solidFill>
+                <a:uFillTx/>
+                <a:latin typeface="Arial" panose="020B0604020202020204" pitchFamily="34" charset="0"/>
+                <a:ea typeface="微软雅黑" panose="020B0503020204020204" charset="-122"/>
+                <a:cs typeface="+mn-cs"/>
+              </a:defRPr>
+            </a:lvl1pPr>
+            <a:lvl2pPr marL="685800" indent="-228600" algn="l" defTabSz="914400" rtl="0" eaLnBrk="1" fontAlgn="auto" latinLnBrk="0" hangingPunct="1">
+              <a:lnSpc>
+                <a:spcPct val="130000"/>
+              </a:lnSpc>
+              <a:spcBef>
+                <a:spcPts val="0"/>
+              </a:spcBef>
+              <a:spcAft>
+                <a:spcPts val="1000"/>
+              </a:spcAft>
+              <a:buFont typeface="Arial" panose="020B0604020202020204" pitchFamily="34" charset="0"/>
+              <a:buChar char="•"/>
+              <a:tabLst>
+                <a:tab pos="1609725" algn="l"/>
+              </a:tabLst>
+              <a:defRPr sz="1600" u="none" strike="noStrike" kern="1200" cap="none" spc="150" normalizeH="0" baseline="0">
+                <a:solidFill>
+                  <a:schemeClr val="tx1">
+                    <a:lumMod val="85000"/>
+                    <a:lumOff val="15000"/>
+                  </a:schemeClr>
+                </a:solidFill>
+                <a:uFillTx/>
+                <a:latin typeface="Arial" panose="020B0604020202020204" pitchFamily="34" charset="0"/>
+                <a:ea typeface="微软雅黑" panose="020B0503020204020204" charset="-122"/>
+                <a:cs typeface="+mn-cs"/>
+              </a:defRPr>
+            </a:lvl2pPr>
+            <a:lvl3pPr marL="1143000" indent="-228600" algn="l" defTabSz="914400" rtl="0" eaLnBrk="1" fontAlgn="auto" latinLnBrk="0" hangingPunct="1">
+              <a:lnSpc>
+                <a:spcPct val="130000"/>
+              </a:lnSpc>
+              <a:spcBef>
+                <a:spcPts val="0"/>
+              </a:spcBef>
+              <a:spcAft>
+                <a:spcPts val="1000"/>
+              </a:spcAft>
+              <a:buFont typeface="Arial" panose="020B0604020202020204" pitchFamily="34" charset="0"/>
+              <a:buChar char="•"/>
+              <a:defRPr sz="1600" u="none" strike="noStrike" kern="1200" cap="none" spc="150" normalizeH="0" baseline="0">
+                <a:solidFill>
+                  <a:schemeClr val="tx1">
+                    <a:lumMod val="85000"/>
+                    <a:lumOff val="15000"/>
+                  </a:schemeClr>
+                </a:solidFill>
+                <a:uFillTx/>
+                <a:latin typeface="Arial" panose="020B0604020202020204" pitchFamily="34" charset="0"/>
+                <a:ea typeface="微软雅黑" panose="020B0503020204020204" charset="-122"/>
+                <a:cs typeface="+mn-cs"/>
+              </a:defRPr>
+            </a:lvl3pPr>
+            <a:lvl4pPr marL="1600200" indent="-228600" algn="l" defTabSz="914400" rtl="0" eaLnBrk="1" fontAlgn="auto" latinLnBrk="0" hangingPunct="1">
+              <a:lnSpc>
+                <a:spcPct val="130000"/>
+              </a:lnSpc>
+              <a:spcBef>
+                <a:spcPts val="0"/>
+              </a:spcBef>
+              <a:spcAft>
+                <a:spcPts val="1000"/>
+              </a:spcAft>
+              <a:buFont typeface="Arial" panose="020B0604020202020204" pitchFamily="34" charset="0"/>
+              <a:buChar char="•"/>
+              <a:defRPr sz="1600" u="none" strike="noStrike" kern="1200" cap="none" spc="150" normalizeH="0" baseline="0">
+                <a:solidFill>
+                  <a:schemeClr val="tx1">
+                    <a:lumMod val="85000"/>
+                    <a:lumOff val="15000"/>
+                  </a:schemeClr>
+                </a:solidFill>
+                <a:uFillTx/>
+                <a:latin typeface="Arial" panose="020B0604020202020204" pitchFamily="34" charset="0"/>
+                <a:ea typeface="微软雅黑" panose="020B0503020204020204" charset="-122"/>
+                <a:cs typeface="+mn-cs"/>
+              </a:defRPr>
+            </a:lvl4pPr>
+            <a:lvl5pPr marL="2057400" indent="-228600" algn="l" defTabSz="914400" rtl="0" eaLnBrk="1" fontAlgn="auto" latinLnBrk="0" hangingPunct="1">
+              <a:lnSpc>
+                <a:spcPct val="130000"/>
+              </a:lnSpc>
+              <a:spcBef>
+                <a:spcPts val="0"/>
+              </a:spcBef>
+              <a:spcAft>
+                <a:spcPts val="1000"/>
+              </a:spcAft>
+              <a:buFont typeface="Arial" panose="020B0604020202020204" pitchFamily="34" charset="0"/>
+              <a:buChar char="•"/>
+              <a:defRPr sz="1600" u="none" strike="noStrike" kern="1200" cap="none" spc="150" normalizeH="0" baseline="0">
+                <a:solidFill>
+                  <a:schemeClr val="tx1">
+                    <a:lumMod val="85000"/>
+                    <a:lumOff val="15000"/>
+                  </a:schemeClr>
+                </a:solidFill>
+                <a:uFillTx/>
+                <a:latin typeface="Arial" panose="020B0604020202020204" pitchFamily="34" charset="0"/>
+                <a:ea typeface="微软雅黑" panose="020B0503020204020204" charset="-122"/>
+                <a:cs typeface="+mn-cs"/>
+              </a:defRPr>
+            </a:lvl5pPr>
+            <a:lvl6pPr marL="2514600" indent="-228600" algn="l" defTabSz="914400" rtl="0" eaLnBrk="1" latinLnBrk="0" hangingPunct="1">
+              <a:lnSpc>
+                <a:spcPct val="90000"/>
+              </a:lnSpc>
+              <a:spcBef>
+                <a:spcPts val="500"/>
+              </a:spcBef>
+              <a:buFont typeface="Arial" panose="020B0604020202020204" pitchFamily="34" charset="0"/>
+              <a:buChar char="•"/>
+              <a:defRPr sz="1800" kern="1200">
+                <a:solidFill>
+                  <a:schemeClr val="tx1"/>
+                </a:solidFill>
+                <a:latin typeface="+mn-lt"/>
+                <a:ea typeface="+mn-ea"/>
+                <a:cs typeface="+mn-cs"/>
+              </a:defRPr>
+            </a:lvl6pPr>
+            <a:lvl7pPr marL="2971800" indent="-228600" algn="l" defTabSz="914400" rtl="0" eaLnBrk="1" latinLnBrk="0" hangingPunct="1">
+              <a:lnSpc>
+                <a:spcPct val="90000"/>
+              </a:lnSpc>
+              <a:spcBef>
+                <a:spcPts val="500"/>
+              </a:spcBef>
+              <a:buFont typeface="Arial" panose="020B0604020202020204" pitchFamily="34" charset="0"/>
+              <a:buChar char="•"/>
+              <a:defRPr sz="1800" kern="1200">
+                <a:solidFill>
+                  <a:schemeClr val="tx1"/>
+                </a:solidFill>
+                <a:latin typeface="+mn-lt"/>
+                <a:ea typeface="+mn-ea"/>
+                <a:cs typeface="+mn-cs"/>
+              </a:defRPr>
+            </a:lvl7pPr>
+            <a:lvl8pPr marL="3429000" indent="-228600" algn="l" defTabSz="914400" rtl="0" eaLnBrk="1" latinLnBrk="0" hangingPunct="1">
+              <a:lnSpc>
+                <a:spcPct val="90000"/>
+              </a:lnSpc>
+              <a:spcBef>
+                <a:spcPts val="500"/>
+              </a:spcBef>
+              <a:buFont typeface="Arial" panose="020B0604020202020204" pitchFamily="34" charset="0"/>
+              <a:buChar char="•"/>
+              <a:defRPr sz="1800" kern="1200">
+                <a:solidFill>
+                  <a:schemeClr val="tx1"/>
+                </a:solidFill>
+                <a:latin typeface="+mn-lt"/>
+                <a:ea typeface="+mn-ea"/>
+                <a:cs typeface="+mn-cs"/>
+              </a:defRPr>
+            </a:lvl8pPr>
+            <a:lvl9pPr marL="3886200" indent="-228600" algn="l" defTabSz="914400" rtl="0" eaLnBrk="1" latinLnBrk="0" hangingPunct="1">
+              <a:lnSpc>
+                <a:spcPct val="90000"/>
+              </a:lnSpc>
+              <a:spcBef>
+                <a:spcPts val="500"/>
+              </a:spcBef>
+              <a:buFont typeface="Arial" panose="020B0604020202020204" pitchFamily="34" charset="0"/>
+              <a:buChar char="•"/>
+              <a:defRPr sz="1800" kern="1200">
+                <a:solidFill>
+                  <a:schemeClr val="tx1"/>
+                </a:solidFill>
+                <a:latin typeface="+mn-lt"/>
+                <a:ea typeface="+mn-ea"/>
+                <a:cs typeface="+mn-cs"/>
+              </a:defRPr>
+            </a:lvl9pPr>
+          </a:lstStyle>
+          <a:p>
+            <a:pPr marL="0" indent="0">
+              <a:buNone/>
+            </a:pPr>
+            <a:r>
+              <a:rPr lang="en-US" altLang="zh-CN" sz="1200"/>
+              <a:t>gender</a:t>
+            </a:r>
+            <a:endParaRPr lang="en-US" altLang="zh-CN" sz="1200"/>
+          </a:p>
+          <a:p>
+            <a:pPr marL="0" indent="0">
+              <a:buNone/>
+            </a:pPr>
+            <a:r>
+              <a:rPr lang="en-US" altLang="zh-CN" sz="1200"/>
+              <a:t>city</a:t>
+            </a:r>
+            <a:endParaRPr lang="en-US" altLang="zh-CN" sz="1200"/>
+          </a:p>
+          <a:p>
+            <a:pPr marL="0" indent="0">
+              <a:buNone/>
+            </a:pPr>
+            <a:r>
+              <a:rPr lang="en-US" altLang="zh-CN" sz="1200"/>
+              <a:t>os</a:t>
+            </a:r>
+            <a:endParaRPr lang="en-US" altLang="zh-CN" sz="1200"/>
+          </a:p>
+          <a:p>
+            <a:pPr marL="0" indent="0">
+              <a:buNone/>
+            </a:pPr>
+            <a:r>
+              <a:rPr lang="en-US" altLang="zh-CN" sz="1200"/>
+              <a:t>....</a:t>
+            </a:r>
+            <a:endParaRPr lang="en-US" altLang="zh-CN" sz="1200"/>
+          </a:p>
+        </p:txBody>
+      </p:sp>
+    </p:spTree>
+    <p:custDataLst>
+      <p:tags r:id="rId1"/>
+    </p:custDataLst>
+  </p:cSld>
+  <p:clrMapOvr>
+    <a:masterClrMapping/>
+  </p:clrMapOvr>
+</p:sld>
+</file>
+
+<file path=ppt/slides/slide4.xml><?xml version="1.0" encoding="utf-8"?>
+<p:sld xmlns:a="http://schemas.openxmlformats.org/drawingml/2006/main" xmlns:r="http://schemas.openxmlformats.org/officeDocument/2006/relationships" xmlns:p="http://schemas.openxmlformats.org/presentationml/2006/main">
+  <p:cSld>
+    <p:spTree>
+      <p:nvGrpSpPr>
+        <p:cNvPr id="1" name=""/>
+        <p:cNvGrpSpPr/>
+        <p:nvPr/>
+      </p:nvGrpSpPr>
+      <p:grpSpPr/>
+      <p:sp>
+        <p:nvSpPr>
+          <p:cNvPr id="12" name="标题 11"/>
+          <p:cNvSpPr>
+            <a:spLocks noGrp="1"/>
+          </p:cNvSpPr>
+          <p:nvPr>
+            <p:ph type="title"/>
+          </p:nvPr>
+        </p:nvSpPr>
+        <p:spPr>
+          <a:xfrm>
+            <a:off x="455295" y="427355"/>
+            <a:ext cx="5419090" cy="541655"/>
+          </a:xfrm>
+        </p:spPr>
+        <p:txBody>
+          <a:bodyPr>
+            <a:normAutofit/>
+          </a:bodyPr>
+          <a:p>
+            <a:r>
+              <a:rPr lang="en-US" altLang="zh-CN" sz="2200"/>
+              <a:t>2.</a:t>
+            </a:r>
+            <a:r>
+              <a:rPr lang="zh-CN" altLang="en-US" sz="2200"/>
+              <a:t>数据探索和预处理</a:t>
+            </a:r>
+            <a:endParaRPr lang="zh-CN" altLang="en-US" sz="2200"/>
+          </a:p>
+        </p:txBody>
+      </p:sp>
+      <p:sp>
+        <p:nvSpPr>
+          <p:cNvPr id="13" name="文本占位符 12"/>
+          <p:cNvSpPr>
+            <a:spLocks noGrp="1"/>
+          </p:cNvSpPr>
+          <p:nvPr>
+            <p:ph type="body" idx="1"/>
+          </p:nvPr>
+        </p:nvSpPr>
+        <p:spPr>
+          <a:xfrm>
+            <a:off x="455295" y="1322705"/>
+            <a:ext cx="3959225" cy="3769995"/>
+          </a:xfrm>
+        </p:spPr>
+        <p:txBody>
+          <a:bodyPr>
+            <a:normAutofit lnSpcReduction="20000"/>
+          </a:bodyPr>
+          <a:p>
+            <a:pPr>
+              <a:lnSpc>
+                <a:spcPct val="150000"/>
+              </a:lnSpc>
+            </a:pPr>
+            <a:r>
+              <a:rPr lang="en-US" altLang="zh-CN" sz="1600"/>
+              <a:t>(1) </a:t>
+            </a:r>
+            <a:r>
+              <a:rPr lang="zh-CN" altLang="en-US" sz="1600"/>
+              <a:t>用户人口属性表存在缺失值</a:t>
+            </a:r>
+            <a:endParaRPr lang="zh-CN" altLang="en-US" sz="1600"/>
+          </a:p>
+          <a:p>
+            <a:pPr>
+              <a:lnSpc>
+                <a:spcPct val="150000"/>
+              </a:lnSpc>
+            </a:pPr>
+            <a:r>
+              <a:rPr lang="zh-CN" altLang="en-US" sz="1600"/>
+              <a:t>解决方法：对于字符串型字段缺失值，直接使用空字符串进行缺失值填充；对于数字型字段缺失值，直接使用字段平均值进行填充</a:t>
+            </a:r>
+            <a:endParaRPr lang="zh-CN" altLang="en-US" sz="1600"/>
+          </a:p>
+          <a:p>
+            <a:pPr>
+              <a:lnSpc>
+                <a:spcPct val="150000"/>
+              </a:lnSpc>
+            </a:pPr>
+            <a:endParaRPr lang="zh-CN" altLang="en-US" sz="1600"/>
+          </a:p>
+          <a:p>
+            <a:pPr>
+              <a:lnSpc>
+                <a:spcPct val="150000"/>
+              </a:lnSpc>
+            </a:pPr>
+            <a:r>
+              <a:rPr lang="zh-CN" altLang="en-US" sz="1600"/>
+              <a:t>优点：处理速度快</a:t>
+            </a:r>
+            <a:endParaRPr lang="zh-CN" altLang="en-US" sz="1600"/>
+          </a:p>
+          <a:p>
+            <a:pPr>
+              <a:lnSpc>
+                <a:spcPct val="150000"/>
+              </a:lnSpc>
+            </a:pPr>
+            <a:r>
+              <a:rPr lang="zh-CN" altLang="en-US" sz="1600"/>
+              <a:t>缺点：缺失值填充效果差，是最基础的做法</a:t>
+            </a:r>
+            <a:endParaRPr lang="zh-CN" altLang="en-US" sz="1600"/>
+          </a:p>
+          <a:p>
+            <a:endParaRPr lang="en-US" altLang="zh-CN" sz="1600"/>
+          </a:p>
+        </p:txBody>
+      </p:sp>
+      <p:pic>
+        <p:nvPicPr>
+          <p:cNvPr id="2" name="图片 1" descr="scores_par"/>
+          <p:cNvPicPr>
+            <a:picLocks noChangeAspect="1"/>
+          </p:cNvPicPr>
+          <p:nvPr/>
+        </p:nvPicPr>
+        <p:blipFill>
+          <a:blip r:embed="rId1"/>
+          <a:stretch>
+            <a:fillRect/>
+          </a:stretch>
+        </p:blipFill>
+        <p:spPr>
+          <a:xfrm>
+            <a:off x="5718810" y="969010"/>
+            <a:ext cx="5099050" cy="3785870"/>
+          </a:xfrm>
+          <a:prstGeom prst="rect">
+            <a:avLst/>
+          </a:prstGeom>
+        </p:spPr>
+      </p:pic>
+    </p:spTree>
+    <p:custDataLst>
+      <p:tags r:id="rId2"/>
+    </p:custDataLst>
+  </p:cSld>
+  <p:clrMapOvr>
+    <a:masterClrMapping/>
+  </p:clrMapOvr>
+</p:sld>
+</file>
+
+<file path=ppt/slides/slide5.xml><?xml version="1.0" encoding="utf-8"?>
+<p:sld xmlns:a="http://schemas.openxmlformats.org/drawingml/2006/main" xmlns:r="http://schemas.openxmlformats.org/officeDocument/2006/relationships" xmlns:p="http://schemas.openxmlformats.org/presentationml/2006/main">
+  <p:cSld>
+    <p:spTree>
+      <p:nvGrpSpPr>
+        <p:cNvPr id="1" name=""/>
+        <p:cNvGrpSpPr/>
+        <p:nvPr/>
+      </p:nvGrpSpPr>
+      <p:grpSpPr/>
+      <p:sp>
+        <p:nvSpPr>
+          <p:cNvPr id="13" name="文本占位符 12"/>
+          <p:cNvSpPr>
+            <a:spLocks noGrp="1"/>
+          </p:cNvSpPr>
+          <p:nvPr>
+            <p:ph type="body" idx="1"/>
+          </p:nvPr>
+        </p:nvSpPr>
+        <p:spPr>
+          <a:xfrm>
+            <a:off x="222250" y="1106805"/>
+            <a:ext cx="4433570" cy="3769995"/>
+          </a:xfrm>
+        </p:spPr>
+        <p:txBody>
+          <a:bodyPr>
+            <a:normAutofit lnSpcReduction="20000"/>
+          </a:bodyPr>
+          <a:p>
+            <a:pPr>
+              <a:lnSpc>
+                <a:spcPct val="150000"/>
+              </a:lnSpc>
+            </a:pPr>
+            <a:r>
+              <a:rPr lang="en-US" altLang="zh-CN" sz="1600"/>
+              <a:t>(2) </a:t>
+            </a:r>
+            <a:r>
+              <a:rPr lang="zh-CN" altLang="en-US" sz="1600"/>
+              <a:t>用户行为数据表存在较大的量级差距</a:t>
+            </a:r>
+            <a:endParaRPr lang="zh-CN" altLang="en-US" sz="1600"/>
+          </a:p>
+          <a:p>
+            <a:pPr>
+              <a:lnSpc>
+                <a:spcPct val="150000"/>
+              </a:lnSpc>
+            </a:pPr>
+            <a:r>
+              <a:rPr lang="zh-CN" altLang="en-US" sz="1600"/>
+              <a:t>解决方法：</a:t>
+            </a:r>
+            <a:r>
+              <a:rPr lang="zh-CN" sz="1600"/>
+              <a:t>使用</a:t>
+            </a:r>
+            <a:r>
+              <a:rPr lang="en-US" altLang="zh-CN" sz="1600"/>
+              <a:t>MinMaxScaler</a:t>
+            </a:r>
+            <a:r>
+              <a:rPr lang="zh-CN" altLang="en-US" sz="1600"/>
+              <a:t>进行行为特征数据的预处理，使其量级保持在相同的范围内</a:t>
+            </a:r>
+            <a:endParaRPr lang="zh-CN" altLang="en-US" sz="1600"/>
+          </a:p>
+          <a:p>
+            <a:pPr>
+              <a:lnSpc>
+                <a:spcPct val="150000"/>
+              </a:lnSpc>
+            </a:pPr>
+            <a:endParaRPr lang="zh-CN" altLang="en-US" sz="1600"/>
+          </a:p>
+          <a:p>
+            <a:pPr>
+              <a:lnSpc>
+                <a:spcPct val="150000"/>
+              </a:lnSpc>
+            </a:pPr>
+            <a:r>
+              <a:rPr lang="zh-CN" altLang="en-US" sz="1600"/>
+              <a:t>优点：防止之后进行模型训练时，高量级的特征数据对最终的分类结果产生较大影响</a:t>
+            </a:r>
+            <a:endParaRPr lang="zh-CN" altLang="en-US" sz="1600"/>
+          </a:p>
+          <a:p>
+            <a:pPr>
+              <a:lnSpc>
+                <a:spcPct val="150000"/>
+              </a:lnSpc>
+            </a:pPr>
+            <a:r>
+              <a:rPr lang="zh-CN" altLang="en-US" sz="1600"/>
+              <a:t>缺点：处理效果不明显</a:t>
+            </a:r>
+            <a:endParaRPr lang="zh-CN" altLang="en-US" sz="1600"/>
+          </a:p>
+          <a:p>
+            <a:endParaRPr lang="en-US" altLang="zh-CN" sz="1600"/>
+          </a:p>
+        </p:txBody>
+      </p:sp>
+      <p:pic>
+        <p:nvPicPr>
+          <p:cNvPr id="2" name="图片 1" descr="scores_par_1"/>
+          <p:cNvPicPr>
+            <a:picLocks noChangeAspect="1"/>
+          </p:cNvPicPr>
+          <p:nvPr/>
+        </p:nvPicPr>
+        <p:blipFill>
+          <a:blip r:embed="rId1"/>
+          <a:stretch>
+            <a:fillRect/>
+          </a:stretch>
+        </p:blipFill>
+        <p:spPr>
+          <a:xfrm>
+            <a:off x="5965825" y="1106805"/>
+            <a:ext cx="4855210" cy="3163570"/>
+          </a:xfrm>
+          <a:prstGeom prst="rect">
+            <a:avLst/>
+          </a:prstGeom>
+        </p:spPr>
+      </p:pic>
+      <p:sp>
+        <p:nvSpPr>
+          <p:cNvPr id="25" name="文本占位符 12"/>
+          <p:cNvSpPr>
+            <a:spLocks noGrp="1"/>
+          </p:cNvSpPr>
+          <p:nvPr/>
+        </p:nvSpPr>
+        <p:spPr>
+          <a:xfrm>
+            <a:off x="6496685" y="4368165"/>
+            <a:ext cx="4324350" cy="735330"/>
+          </a:xfrm>
+          <a:prstGeom prst="rect">
+            <a:avLst/>
+          </a:prstGeom>
+        </p:spPr>
+        <p:txBody>
+          <a:bodyPr vert="horz" lIns="101600" tIns="0" rIns="82550" bIns="0" rtlCol="0">
+            <a:normAutofit/>
+          </a:bodyPr>
+          <a:lstStyle>
+            <a:lvl1pPr marL="228600" indent="-228600" algn="l" defTabSz="914400" rtl="0" eaLnBrk="1" fontAlgn="auto" latinLnBrk="0" hangingPunct="1">
+              <a:lnSpc>
+                <a:spcPct val="130000"/>
+              </a:lnSpc>
+              <a:spcBef>
+                <a:spcPts val="0"/>
+              </a:spcBef>
+              <a:spcAft>
+                <a:spcPts val="1000"/>
+              </a:spcAft>
+              <a:buFont typeface="Arial" panose="020B0604020202020204" pitchFamily="34" charset="0"/>
+              <a:buChar char="•"/>
+              <a:defRPr sz="1600" u="none" strike="noStrike" kern="1200" cap="none" spc="150" normalizeH="0" baseline="0">
+                <a:solidFill>
+                  <a:schemeClr val="tx1">
+                    <a:lumMod val="85000"/>
+                    <a:lumOff val="15000"/>
+                  </a:schemeClr>
+                </a:solidFill>
+                <a:uFillTx/>
+                <a:latin typeface="Arial" panose="020B0604020202020204" pitchFamily="34" charset="0"/>
+                <a:ea typeface="微软雅黑" panose="020B0503020204020204" charset="-122"/>
+                <a:cs typeface="+mn-cs"/>
+              </a:defRPr>
+            </a:lvl1pPr>
+            <a:lvl2pPr marL="685800" indent="-228600" algn="l" defTabSz="914400" rtl="0" eaLnBrk="1" fontAlgn="auto" latinLnBrk="0" hangingPunct="1">
+              <a:lnSpc>
+                <a:spcPct val="130000"/>
+              </a:lnSpc>
+              <a:spcBef>
+                <a:spcPts val="0"/>
+              </a:spcBef>
+              <a:spcAft>
+                <a:spcPts val="1000"/>
+              </a:spcAft>
+              <a:buFont typeface="Arial" panose="020B0604020202020204" pitchFamily="34" charset="0"/>
+              <a:buChar char="•"/>
+              <a:tabLst>
+                <a:tab pos="1609725" algn="l"/>
+              </a:tabLst>
+              <a:defRPr sz="1600" u="none" strike="noStrike" kern="1200" cap="none" spc="150" normalizeH="0" baseline="0">
+                <a:solidFill>
+                  <a:schemeClr val="tx1">
+                    <a:lumMod val="85000"/>
+                    <a:lumOff val="15000"/>
+                  </a:schemeClr>
+                </a:solidFill>
+                <a:uFillTx/>
+                <a:latin typeface="Arial" panose="020B0604020202020204" pitchFamily="34" charset="0"/>
+                <a:ea typeface="微软雅黑" panose="020B0503020204020204" charset="-122"/>
+                <a:cs typeface="+mn-cs"/>
+              </a:defRPr>
+            </a:lvl2pPr>
+            <a:lvl3pPr marL="1143000" indent="-228600" algn="l" defTabSz="914400" rtl="0" eaLnBrk="1" fontAlgn="auto" latinLnBrk="0" hangingPunct="1">
+              <a:lnSpc>
+                <a:spcPct val="130000"/>
+              </a:lnSpc>
+              <a:spcBef>
+                <a:spcPts val="0"/>
+              </a:spcBef>
+              <a:spcAft>
+                <a:spcPts val="1000"/>
+              </a:spcAft>
+              <a:buFont typeface="Arial" panose="020B0604020202020204" pitchFamily="34" charset="0"/>
+              <a:buChar char="•"/>
+              <a:defRPr sz="1600" u="none" strike="noStrike" kern="1200" cap="none" spc="150" normalizeH="0" baseline="0">
+                <a:solidFill>
+                  <a:schemeClr val="tx1">
+                    <a:lumMod val="85000"/>
+                    <a:lumOff val="15000"/>
+                  </a:schemeClr>
+                </a:solidFill>
+                <a:uFillTx/>
+                <a:latin typeface="Arial" panose="020B0604020202020204" pitchFamily="34" charset="0"/>
+                <a:ea typeface="微软雅黑" panose="020B0503020204020204" charset="-122"/>
+                <a:cs typeface="+mn-cs"/>
+              </a:defRPr>
+            </a:lvl3pPr>
+            <a:lvl4pPr marL="1600200" indent="-228600" algn="l" defTabSz="914400" rtl="0" eaLnBrk="1" fontAlgn="auto" latinLnBrk="0" hangingPunct="1">
+              <a:lnSpc>
+                <a:spcPct val="130000"/>
+              </a:lnSpc>
+              <a:spcBef>
+                <a:spcPts val="0"/>
+              </a:spcBef>
+              <a:spcAft>
+                <a:spcPts val="1000"/>
+              </a:spcAft>
+              <a:buFont typeface="Arial" panose="020B0604020202020204" pitchFamily="34" charset="0"/>
+              <a:buChar char="•"/>
+              <a:defRPr sz="1600" u="none" strike="noStrike" kern="1200" cap="none" spc="150" normalizeH="0" baseline="0">
+                <a:solidFill>
+                  <a:schemeClr val="tx1">
+                    <a:lumMod val="85000"/>
+                    <a:lumOff val="15000"/>
+                  </a:schemeClr>
+                </a:solidFill>
+                <a:uFillTx/>
+                <a:latin typeface="Arial" panose="020B0604020202020204" pitchFamily="34" charset="0"/>
+                <a:ea typeface="微软雅黑" panose="020B0503020204020204" charset="-122"/>
+                <a:cs typeface="+mn-cs"/>
+              </a:defRPr>
+            </a:lvl4pPr>
+            <a:lvl5pPr marL="2057400" indent="-228600" algn="l" defTabSz="914400" rtl="0" eaLnBrk="1" fontAlgn="auto" latinLnBrk="0" hangingPunct="1">
+              <a:lnSpc>
+                <a:spcPct val="130000"/>
+              </a:lnSpc>
+              <a:spcBef>
+                <a:spcPts val="0"/>
+              </a:spcBef>
+              <a:spcAft>
+                <a:spcPts val="1000"/>
+              </a:spcAft>
+              <a:buFont typeface="Arial" panose="020B0604020202020204" pitchFamily="34" charset="0"/>
+              <a:buChar char="•"/>
+              <a:defRPr sz="1600" u="none" strike="noStrike" kern="1200" cap="none" spc="150" normalizeH="0" baseline="0">
+                <a:solidFill>
+                  <a:schemeClr val="tx1">
+                    <a:lumMod val="85000"/>
+                    <a:lumOff val="15000"/>
+                  </a:schemeClr>
+                </a:solidFill>
+                <a:uFillTx/>
+                <a:latin typeface="Arial" panose="020B0604020202020204" pitchFamily="34" charset="0"/>
+                <a:ea typeface="微软雅黑" panose="020B0503020204020204" charset="-122"/>
+                <a:cs typeface="+mn-cs"/>
+              </a:defRPr>
+            </a:lvl5pPr>
+            <a:lvl6pPr marL="2514600" indent="-228600" algn="l" defTabSz="914400" rtl="0" eaLnBrk="1" latinLnBrk="0" hangingPunct="1">
+              <a:lnSpc>
+                <a:spcPct val="90000"/>
+              </a:lnSpc>
+              <a:spcBef>
+                <a:spcPts val="500"/>
+              </a:spcBef>
+              <a:buFont typeface="Arial" panose="020B0604020202020204" pitchFamily="34" charset="0"/>
+              <a:buChar char="•"/>
+              <a:defRPr sz="1800" kern="1200">
+                <a:solidFill>
+                  <a:schemeClr val="tx1"/>
+                </a:solidFill>
+                <a:latin typeface="+mn-lt"/>
+                <a:ea typeface="+mn-ea"/>
+                <a:cs typeface="+mn-cs"/>
+              </a:defRPr>
+            </a:lvl6pPr>
+            <a:lvl7pPr marL="2971800" indent="-228600" algn="l" defTabSz="914400" rtl="0" eaLnBrk="1" latinLnBrk="0" hangingPunct="1">
+              <a:lnSpc>
+                <a:spcPct val="90000"/>
+              </a:lnSpc>
+              <a:spcBef>
+                <a:spcPts val="500"/>
+              </a:spcBef>
+              <a:buFont typeface="Arial" panose="020B0604020202020204" pitchFamily="34" charset="0"/>
+              <a:buChar char="•"/>
+              <a:defRPr sz="1800" kern="1200">
+                <a:solidFill>
+                  <a:schemeClr val="tx1"/>
+                </a:solidFill>
+                <a:latin typeface="+mn-lt"/>
+                <a:ea typeface="+mn-ea"/>
+                <a:cs typeface="+mn-cs"/>
+              </a:defRPr>
+            </a:lvl7pPr>
+            <a:lvl8pPr marL="3429000" indent="-228600" algn="l" defTabSz="914400" rtl="0" eaLnBrk="1" latinLnBrk="0" hangingPunct="1">
+              <a:lnSpc>
+                <a:spcPct val="90000"/>
+              </a:lnSpc>
+              <a:spcBef>
+                <a:spcPts val="500"/>
+              </a:spcBef>
+              <a:buFont typeface="Arial" panose="020B0604020202020204" pitchFamily="34" charset="0"/>
+              <a:buChar char="•"/>
+              <a:defRPr sz="1800" kern="1200">
+                <a:solidFill>
+                  <a:schemeClr val="tx1"/>
+                </a:solidFill>
+                <a:latin typeface="+mn-lt"/>
+                <a:ea typeface="+mn-ea"/>
+                <a:cs typeface="+mn-cs"/>
+              </a:defRPr>
+            </a:lvl8pPr>
+            <a:lvl9pPr marL="3886200" indent="-228600" algn="l" defTabSz="914400" rtl="0" eaLnBrk="1" latinLnBrk="0" hangingPunct="1">
+              <a:lnSpc>
+                <a:spcPct val="90000"/>
+              </a:lnSpc>
+              <a:spcBef>
+                <a:spcPts val="500"/>
+              </a:spcBef>
+              <a:buFont typeface="Arial" panose="020B0604020202020204" pitchFamily="34" charset="0"/>
+              <a:buChar char="•"/>
+              <a:defRPr sz="1800" kern="1200">
+                <a:solidFill>
+                  <a:schemeClr val="tx1"/>
+                </a:solidFill>
+                <a:latin typeface="+mn-lt"/>
+                <a:ea typeface="+mn-ea"/>
+                <a:cs typeface="+mn-cs"/>
+              </a:defRPr>
+            </a:lvl9pPr>
+          </a:lstStyle>
+          <a:p>
+            <a:pPr marL="0" indent="0">
+              <a:buNone/>
+            </a:pPr>
+            <a:r>
               <a:rPr lang="zh-CN" sz="1200"/>
               <a:t>不同特征列数据最大值统计情况，此处</a:t>
             </a:r>
@@ -14467,6 +15381,14 @@
   <p:tag name="KSO_WM_UNIT_LAYERLEVEL" val="1"/>
   <p:tag name="KSO_WM_TAG_VERSION" val="1.0"/>
   <p:tag name="KSO_WM_BEAUTIFY_FLAG" val="#wm#"/>
+</p:tagLst>
+</file>
+
+<file path=ppt/tags/tag140.xml><?xml version="1.0" encoding="utf-8"?>
+<p:tagLst xmlns:p="http://schemas.openxmlformats.org/presentationml/2006/main">
+  <p:tag name="KSO_WM_BEAUTIFY_FLAG" val="#wm#"/>
+  <p:tag name="KSO_WM_TEMPLATE_CATEGORY" val="custom"/>
+  <p:tag name="KSO_WM_TEMPLATE_INDEX" val="20190933"/>
 </p:tagLst>
 </file>
 
